--- a/Final Presentation.pptx
+++ b/Final Presentation.pptx
@@ -5,7 +5,7 @@
     <p:sldMasterId id="2147483648" r:id="rId1"/>
   </p:sldMasterIdLst>
   <p:notesMasterIdLst>
-    <p:notesMasterId r:id="rId20"/>
+    <p:notesMasterId r:id="rId25"/>
   </p:notesMasterIdLst>
   <p:sldIdLst>
     <p:sldId id="256" r:id="rId2"/>
@@ -21,11 +21,16 @@
     <p:sldId id="270" r:id="rId12"/>
     <p:sldId id="272" r:id="rId13"/>
     <p:sldId id="271" r:id="rId14"/>
-    <p:sldId id="264" r:id="rId15"/>
-    <p:sldId id="265" r:id="rId16"/>
-    <p:sldId id="266" r:id="rId17"/>
-    <p:sldId id="273" r:id="rId18"/>
-    <p:sldId id="267" r:id="rId19"/>
+    <p:sldId id="276" r:id="rId15"/>
+    <p:sldId id="277" r:id="rId16"/>
+    <p:sldId id="278" r:id="rId17"/>
+    <p:sldId id="279" r:id="rId18"/>
+    <p:sldId id="280" r:id="rId19"/>
+    <p:sldId id="264" r:id="rId20"/>
+    <p:sldId id="265" r:id="rId21"/>
+    <p:sldId id="266" r:id="rId22"/>
+    <p:sldId id="273" r:id="rId23"/>
+    <p:sldId id="267" r:id="rId24"/>
   </p:sldIdLst>
   <p:sldSz cx="12192000" cy="6858000"/>
   <p:notesSz cx="6858000" cy="9144000"/>
@@ -214,7 +219,7 @@
           <a:p>
             <a:fld id="{B7AF5808-00CB-4F98-862E-074218269BEF}" type="datetimeFigureOut">
               <a:rPr lang="en-CA" smtClean="0"/>
-              <a:t>2023-12-13</a:t>
+              <a:t>2023-12-14</a:t>
             </a:fld>
             <a:endParaRPr lang="en-CA"/>
           </a:p>
@@ -946,7 +951,7 @@
           <a:p>
             <a:fld id="{9393C656-6D76-48B0-8870-135019495A72}" type="datetimeFigureOut">
               <a:rPr lang="en-CA" smtClean="0"/>
-              <a:t>2023-12-13</a:t>
+              <a:t>2023-12-14</a:t>
             </a:fld>
             <a:endParaRPr lang="en-CA"/>
           </a:p>
@@ -1146,7 +1151,7 @@
           <a:p>
             <a:fld id="{9393C656-6D76-48B0-8870-135019495A72}" type="datetimeFigureOut">
               <a:rPr lang="en-CA" smtClean="0"/>
-              <a:t>2023-12-13</a:t>
+              <a:t>2023-12-14</a:t>
             </a:fld>
             <a:endParaRPr lang="en-CA"/>
           </a:p>
@@ -1356,7 +1361,7 @@
           <a:p>
             <a:fld id="{9393C656-6D76-48B0-8870-135019495A72}" type="datetimeFigureOut">
               <a:rPr lang="en-CA" smtClean="0"/>
-              <a:t>2023-12-13</a:t>
+              <a:t>2023-12-14</a:t>
             </a:fld>
             <a:endParaRPr lang="en-CA"/>
           </a:p>
@@ -1556,7 +1561,7 @@
           <a:p>
             <a:fld id="{9393C656-6D76-48B0-8870-135019495A72}" type="datetimeFigureOut">
               <a:rPr lang="en-CA" smtClean="0"/>
-              <a:t>2023-12-13</a:t>
+              <a:t>2023-12-14</a:t>
             </a:fld>
             <a:endParaRPr lang="en-CA"/>
           </a:p>
@@ -1832,7 +1837,7 @@
           <a:p>
             <a:fld id="{9393C656-6D76-48B0-8870-135019495A72}" type="datetimeFigureOut">
               <a:rPr lang="en-CA" smtClean="0"/>
-              <a:t>2023-12-13</a:t>
+              <a:t>2023-12-14</a:t>
             </a:fld>
             <a:endParaRPr lang="en-CA"/>
           </a:p>
@@ -2100,7 +2105,7 @@
           <a:p>
             <a:fld id="{9393C656-6D76-48B0-8870-135019495A72}" type="datetimeFigureOut">
               <a:rPr lang="en-CA" smtClean="0"/>
-              <a:t>2023-12-13</a:t>
+              <a:t>2023-12-14</a:t>
             </a:fld>
             <a:endParaRPr lang="en-CA"/>
           </a:p>
@@ -2515,7 +2520,7 @@
           <a:p>
             <a:fld id="{9393C656-6D76-48B0-8870-135019495A72}" type="datetimeFigureOut">
               <a:rPr lang="en-CA" smtClean="0"/>
-              <a:t>2023-12-13</a:t>
+              <a:t>2023-12-14</a:t>
             </a:fld>
             <a:endParaRPr lang="en-CA"/>
           </a:p>
@@ -2657,7 +2662,7 @@
           <a:p>
             <a:fld id="{9393C656-6D76-48B0-8870-135019495A72}" type="datetimeFigureOut">
               <a:rPr lang="en-CA" smtClean="0"/>
-              <a:t>2023-12-13</a:t>
+              <a:t>2023-12-14</a:t>
             </a:fld>
             <a:endParaRPr lang="en-CA"/>
           </a:p>
@@ -2770,7 +2775,7 @@
           <a:p>
             <a:fld id="{9393C656-6D76-48B0-8870-135019495A72}" type="datetimeFigureOut">
               <a:rPr lang="en-CA" smtClean="0"/>
-              <a:t>2023-12-13</a:t>
+              <a:t>2023-12-14</a:t>
             </a:fld>
             <a:endParaRPr lang="en-CA"/>
           </a:p>
@@ -3083,7 +3088,7 @@
           <a:p>
             <a:fld id="{9393C656-6D76-48B0-8870-135019495A72}" type="datetimeFigureOut">
               <a:rPr lang="en-CA" smtClean="0"/>
-              <a:t>2023-12-13</a:t>
+              <a:t>2023-12-14</a:t>
             </a:fld>
             <a:endParaRPr lang="en-CA"/>
           </a:p>
@@ -3372,7 +3377,7 @@
           <a:p>
             <a:fld id="{9393C656-6D76-48B0-8870-135019495A72}" type="datetimeFigureOut">
               <a:rPr lang="en-CA" smtClean="0"/>
-              <a:t>2023-12-13</a:t>
+              <a:t>2023-12-14</a:t>
             </a:fld>
             <a:endParaRPr lang="en-CA"/>
           </a:p>
@@ -3615,7 +3620,7 @@
           <a:p>
             <a:fld id="{9393C656-6D76-48B0-8870-135019495A72}" type="datetimeFigureOut">
               <a:rPr lang="en-CA" smtClean="0"/>
-              <a:t>2023-12-13</a:t>
+              <a:t>2023-12-14</a:t>
             </a:fld>
             <a:endParaRPr lang="en-CA"/>
           </a:p>
@@ -4842,22 +4847,38 @@
         </p:nvSpPr>
         <p:spPr/>
         <p:txBody>
-          <a:bodyPr/>
-          <a:lstStyle/>
-          <a:p>
-            <a:r>
-              <a:rPr lang="en-CA" dirty="0"/>
-              <a:t>Question 4</a:t>
-            </a:r>
-          </a:p>
-        </p:txBody>
-      </p:sp>
-      <p:sp>
-        <p:nvSpPr>
-          <p:cNvPr id="3" name="Content Placeholder 2">
-            <a:extLst>
-              <a:ext uri="{FF2B5EF4-FFF2-40B4-BE49-F238E27FC236}">
-                <a16:creationId xmlns:a16="http://schemas.microsoft.com/office/drawing/2014/main" id="{82E77C82-0D48-31AD-2914-4E65551363BF}"/>
+          <a:bodyPr>
+            <a:normAutofit/>
+          </a:bodyPr>
+          <a:lstStyle/>
+          <a:p>
+            <a:r>
+              <a:rPr lang="en-CA" sz="3200" dirty="0"/>
+              <a:t>Question 4:</a:t>
+            </a:r>
+            <a:br>
+              <a:rPr lang="en-CA" sz="3200" dirty="0"/>
+            </a:br>
+            <a:r>
+              <a:rPr lang="en-US" sz="3200" b="0" i="0" dirty="0">
+                <a:solidFill>
+                  <a:srgbClr val="1D1C1D"/>
+                </a:solidFill>
+                <a:effectLst/>
+                <a:latin typeface="Slack-Lato"/>
+              </a:rPr>
+              <a:t>Are there any specific groups of people being targeted?</a:t>
+            </a:r>
+            <a:endParaRPr lang="en-CA" sz="3200" dirty="0"/>
+          </a:p>
+        </p:txBody>
+      </p:sp>
+      <p:sp>
+        <p:nvSpPr>
+          <p:cNvPr id="5" name="Content Placeholder 4">
+            <a:extLst>
+              <a:ext uri="{FF2B5EF4-FFF2-40B4-BE49-F238E27FC236}">
+                <a16:creationId xmlns:a16="http://schemas.microsoft.com/office/drawing/2014/main" id="{E9711B52-D08C-A0CB-2095-7313C3E6D6DC}"/>
               </a:ext>
             </a:extLst>
           </p:cNvPr>
@@ -4868,19 +4889,174 @@
             <p:ph idx="1"/>
           </p:nvPr>
         </p:nvSpPr>
-        <p:spPr/>
-        <p:txBody>
-          <a:bodyPr/>
-          <a:lstStyle/>
-          <a:p>
-            <a:endParaRPr lang="en-CA"/>
+        <p:spPr>
+          <a:xfrm>
+            <a:off x="838200" y="1690688"/>
+            <a:ext cx="10515600" cy="4351338"/>
+          </a:xfrm>
+        </p:spPr>
+        <p:txBody>
+          <a:bodyPr>
+            <a:normAutofit/>
+          </a:bodyPr>
+          <a:lstStyle/>
+          <a:p>
+            <a:pPr marL="0" indent="0">
+              <a:buFont typeface="Arial" panose="020B0604020202020204" pitchFamily="34" charset="0"/>
+              <a:buNone/>
+            </a:pPr>
+            <a:r>
+              <a:rPr lang="en-CA" sz="2400" b="1" dirty="0"/>
+              <a:t>Distribution of Crime Type Victims by Gender</a:t>
+            </a:r>
+            <a:endParaRPr lang="en-US" sz="3200" b="1" dirty="0">
+              <a:ea typeface="Calibri" panose="020F0502020204030204" pitchFamily="34" charset="0"/>
+              <a:cs typeface="Calibri" panose="020F0502020204030204" pitchFamily="34" charset="0"/>
+            </a:endParaRPr>
+          </a:p>
+          <a:p>
+            <a:pPr marL="0" indent="0">
+              <a:buFont typeface="Arial" panose="020B0604020202020204" pitchFamily="34" charset="0"/>
+              <a:buNone/>
+            </a:pPr>
+            <a:r>
+              <a:rPr lang="en-US" sz="1700" dirty="0">
+                <a:ea typeface="Calibri" panose="020F0502020204030204" pitchFamily="34" charset="0"/>
+                <a:cs typeface="Calibri" panose="020F0502020204030204" pitchFamily="34" charset="0"/>
+              </a:rPr>
+              <a:t>Looking at the visualizations, the ratio of male and female crime victims are very similar. </a:t>
+            </a:r>
+          </a:p>
+          <a:p>
+            <a:pPr lvl="1"/>
+            <a:r>
+              <a:rPr lang="en-US" sz="1600" b="1" dirty="0">
+                <a:ea typeface="Calibri" panose="020F0502020204030204" pitchFamily="34" charset="0"/>
+                <a:cs typeface="Calibri" panose="020F0502020204030204" pitchFamily="34" charset="0"/>
+              </a:rPr>
+              <a:t>Male victims: 47.5%</a:t>
+            </a:r>
+          </a:p>
+          <a:p>
+            <a:pPr lvl="1"/>
+            <a:r>
+              <a:rPr lang="en-US" sz="1600" b="1" dirty="0">
+                <a:ea typeface="Calibri" panose="020F0502020204030204" pitchFamily="34" charset="0"/>
+                <a:cs typeface="Calibri" panose="020F0502020204030204" pitchFamily="34" charset="0"/>
+              </a:rPr>
+              <a:t>Female victims: 42.4%</a:t>
+            </a:r>
+          </a:p>
+          <a:p>
+            <a:pPr marL="0" indent="0">
+              <a:buFont typeface="Arial" panose="020B0604020202020204" pitchFamily="34" charset="0"/>
+              <a:buNone/>
+            </a:pPr>
+            <a:r>
+              <a:rPr lang="en-US" sz="1700" dirty="0">
+                <a:ea typeface="Calibri" panose="020F0502020204030204" pitchFamily="34" charset="0"/>
+                <a:cs typeface="Calibri" panose="020F0502020204030204" pitchFamily="34" charset="0"/>
+              </a:rPr>
+              <a:t>The top 3 crimes for which the female victims are targeted for are:</a:t>
+            </a:r>
+          </a:p>
+          <a:p>
+            <a:pPr marL="800100" lvl="1" indent="-342900">
+              <a:buFont typeface="+mj-lt"/>
+              <a:buAutoNum type="arabicPeriod"/>
+            </a:pPr>
+            <a:r>
+              <a:rPr lang="en-US" sz="1600" b="1" dirty="0">
+                <a:ea typeface="Calibri" panose="020F0502020204030204" pitchFamily="34" charset="0"/>
+                <a:cs typeface="Calibri" panose="020F0502020204030204" pitchFamily="34" charset="0"/>
+              </a:rPr>
+              <a:t>Intimate partner-Simple Assault</a:t>
+            </a:r>
+          </a:p>
+          <a:p>
+            <a:pPr marL="800100" lvl="1" indent="-342900">
+              <a:buFont typeface="+mj-lt"/>
+              <a:buAutoNum type="arabicPeriod"/>
+            </a:pPr>
+            <a:r>
+              <a:rPr lang="en-US" sz="1600" b="1" dirty="0">
+                <a:ea typeface="Calibri" panose="020F0502020204030204" pitchFamily="34" charset="0"/>
+                <a:cs typeface="Calibri" panose="020F0502020204030204" pitchFamily="34" charset="0"/>
+              </a:rPr>
+              <a:t>Battery – Simple Assault</a:t>
+            </a:r>
+          </a:p>
+          <a:p>
+            <a:pPr marL="800100" lvl="1" indent="-342900">
+              <a:buFont typeface="+mj-lt"/>
+              <a:buAutoNum type="arabicPeriod"/>
+            </a:pPr>
+            <a:r>
+              <a:rPr lang="en-US" sz="1600" b="1" dirty="0">
+                <a:ea typeface="Calibri" panose="020F0502020204030204" pitchFamily="34" charset="0"/>
+                <a:cs typeface="Calibri" panose="020F0502020204030204" pitchFamily="34" charset="0"/>
+              </a:rPr>
+              <a:t>Theft of Identity</a:t>
+            </a:r>
+          </a:p>
+          <a:p>
+            <a:pPr marL="0" indent="0">
+              <a:buFont typeface="Arial" panose="020B0604020202020204" pitchFamily="34" charset="0"/>
+              <a:buNone/>
+            </a:pPr>
+            <a:r>
+              <a:rPr lang="en-US" sz="1700" dirty="0">
+                <a:ea typeface="Calibri" panose="020F0502020204030204" pitchFamily="34" charset="0"/>
+                <a:cs typeface="Calibri" panose="020F0502020204030204" pitchFamily="34" charset="0"/>
+              </a:rPr>
+              <a:t>The top 3 crimes for which the male victims are targeted for are:</a:t>
+            </a:r>
+          </a:p>
+          <a:p>
+            <a:pPr marL="800100" lvl="1" indent="-342900">
+              <a:buFont typeface="+mj-lt"/>
+              <a:buAutoNum type="arabicPeriod"/>
+            </a:pPr>
+            <a:r>
+              <a:rPr lang="en-US" sz="1700" b="1" dirty="0">
+                <a:ea typeface="Calibri" panose="020F0502020204030204" pitchFamily="34" charset="0"/>
+                <a:cs typeface="Calibri" panose="020F0502020204030204" pitchFamily="34" charset="0"/>
+              </a:rPr>
+              <a:t>Battery – Simple Assault</a:t>
+            </a:r>
+          </a:p>
+          <a:p>
+            <a:pPr marL="800100" lvl="1" indent="-342900">
+              <a:buFont typeface="+mj-lt"/>
+              <a:buAutoNum type="arabicPeriod"/>
+            </a:pPr>
+            <a:r>
+              <a:rPr lang="en-US" sz="1700" b="1" dirty="0">
+                <a:ea typeface="Calibri" panose="020F0502020204030204" pitchFamily="34" charset="0"/>
+                <a:cs typeface="Calibri" panose="020F0502020204030204" pitchFamily="34" charset="0"/>
+              </a:rPr>
+              <a:t>Assault with deadly weapon, aggravated assault</a:t>
+            </a:r>
+          </a:p>
+          <a:p>
+            <a:pPr marL="800100" lvl="1" indent="-342900">
+              <a:buFont typeface="+mj-lt"/>
+              <a:buAutoNum type="arabicPeriod"/>
+            </a:pPr>
+            <a:r>
+              <a:rPr lang="en-US" sz="1700" b="1" dirty="0">
+                <a:ea typeface="Calibri" panose="020F0502020204030204" pitchFamily="34" charset="0"/>
+                <a:cs typeface="Calibri" panose="020F0502020204030204" pitchFamily="34" charset="0"/>
+              </a:rPr>
+              <a:t>Burglary from Vehicle</a:t>
+            </a:r>
           </a:p>
         </p:txBody>
       </p:sp>
     </p:spTree>
     <p:extLst>
       <p:ext uri="{BB962C8B-B14F-4D97-AF65-F5344CB8AC3E}">
-        <p14:creationId xmlns:p14="http://schemas.microsoft.com/office/powerpoint/2010/main" val="1006946230"/>
+        <p14:creationId xmlns:p14="http://schemas.microsoft.com/office/powerpoint/2010/main" val="3973350772"/>
       </p:ext>
     </p:extLst>
   </p:cSld>
@@ -4909,61 +5085,98 @@
       </p:grpSpPr>
       <p:sp>
         <p:nvSpPr>
-          <p:cNvPr id="2" name="Title 1">
-            <a:extLst>
-              <a:ext uri="{FF2B5EF4-FFF2-40B4-BE49-F238E27FC236}">
-                <a16:creationId xmlns:a16="http://schemas.microsoft.com/office/drawing/2014/main" id="{CA64F088-F15F-776A-FA4E-2E2F49A270BD}"/>
-              </a:ext>
-            </a:extLst>
-          </p:cNvPr>
-          <p:cNvSpPr>
-            <a:spLocks noGrp="1"/>
-          </p:cNvSpPr>
-          <p:nvPr>
-            <p:ph type="title"/>
-          </p:nvPr>
-        </p:nvSpPr>
-        <p:spPr/>
-        <p:txBody>
-          <a:bodyPr/>
+          <p:cNvPr id="4" name="TextBox 3">
+            <a:extLst>
+              <a:ext uri="{FF2B5EF4-FFF2-40B4-BE49-F238E27FC236}">
+                <a16:creationId xmlns:a16="http://schemas.microsoft.com/office/drawing/2014/main" id="{9DED2E5C-6548-0F88-7DF7-3E330DC1AEA6}"/>
+              </a:ext>
+            </a:extLst>
+          </p:cNvPr>
+          <p:cNvSpPr txBox="1"/>
+          <p:nvPr/>
+        </p:nvSpPr>
+        <p:spPr>
+          <a:xfrm>
+            <a:off x="419608" y="146149"/>
+            <a:ext cx="8661146" cy="646331"/>
+          </a:xfrm>
+          <a:prstGeom prst="rect">
+            <a:avLst/>
+          </a:prstGeom>
+          <a:noFill/>
+        </p:spPr>
+        <p:txBody>
+          <a:bodyPr wrap="square">
+            <a:spAutoFit/>
+          </a:bodyPr>
           <a:lstStyle/>
           <a:p>
             <a:r>
               <a:rPr lang="en-CA" dirty="0"/>
-              <a:t>Q4 cont.</a:t>
-            </a:r>
-          </a:p>
-        </p:txBody>
-      </p:sp>
-      <p:sp>
-        <p:nvSpPr>
-          <p:cNvPr id="3" name="Content Placeholder 2">
-            <a:extLst>
-              <a:ext uri="{FF2B5EF4-FFF2-40B4-BE49-F238E27FC236}">
-                <a16:creationId xmlns:a16="http://schemas.microsoft.com/office/drawing/2014/main" id="{2C11B20D-504B-A00F-5EEB-27D908C3894F}"/>
-              </a:ext>
-            </a:extLst>
-          </p:cNvPr>
-          <p:cNvSpPr>
-            <a:spLocks noGrp="1"/>
-          </p:cNvSpPr>
+              <a:t>Visualization 6: </a:t>
+            </a:r>
+          </a:p>
+          <a:p>
+            <a:r>
+              <a:rPr lang="en-CA" dirty="0"/>
+              <a:t>Grouped bar plot showing the Distribution of Top 10 Crime Type Victims by Gender</a:t>
+            </a:r>
+          </a:p>
+        </p:txBody>
+      </p:sp>
+      <p:pic>
+        <p:nvPicPr>
+          <p:cNvPr id="2050" name="Picture 2">
+            <a:extLst>
+              <a:ext uri="{FF2B5EF4-FFF2-40B4-BE49-F238E27FC236}">
+                <a16:creationId xmlns:a16="http://schemas.microsoft.com/office/drawing/2014/main" id="{64C88142-0038-DAA6-278F-F3DCF028ADE0}"/>
+              </a:ext>
+            </a:extLst>
+          </p:cNvPr>
+          <p:cNvPicPr>
+            <a:picLocks noGrp="1" noChangeAspect="1" noChangeArrowheads="1"/>
+          </p:cNvPicPr>
           <p:nvPr>
             <p:ph idx="1"/>
           </p:nvPr>
-        </p:nvSpPr>
-        <p:spPr/>
-        <p:txBody>
-          <a:bodyPr/>
-          <a:lstStyle/>
-          <a:p>
-            <a:endParaRPr lang="en-CA"/>
-          </a:p>
-        </p:txBody>
-      </p:sp>
+        </p:nvPicPr>
+        <p:blipFill>
+          <a:blip r:embed="rId2">
+            <a:extLst>
+              <a:ext uri="{28A0092B-C50C-407E-A947-70E740481C1C}">
+                <a14:useLocalDpi xmlns:a14="http://schemas.microsoft.com/office/drawing/2010/main" val="0"/>
+              </a:ext>
+            </a:extLst>
+          </a:blip>
+          <a:srcRect/>
+          <a:stretch>
+            <a:fillRect/>
+          </a:stretch>
+        </p:blipFill>
+        <p:spPr bwMode="auto">
+          <a:xfrm>
+            <a:off x="2843754" y="792480"/>
+            <a:ext cx="6237000" cy="6065520"/>
+          </a:xfrm>
+          <a:prstGeom prst="rect">
+            <a:avLst/>
+          </a:prstGeom>
+          <a:noFill/>
+          <a:extLst>
+            <a:ext uri="{909E8E84-426E-40DD-AFC4-6F175D3DCCD1}">
+              <a14:hiddenFill xmlns:a14="http://schemas.microsoft.com/office/drawing/2010/main">
+                <a:solidFill>
+                  <a:srgbClr val="FFFFFF"/>
+                </a:solidFill>
+              </a14:hiddenFill>
+            </a:ext>
+          </a:extLst>
+        </p:spPr>
+      </p:pic>
     </p:spTree>
     <p:extLst>
       <p:ext uri="{BB962C8B-B14F-4D97-AF65-F5344CB8AC3E}">
-        <p14:creationId xmlns:p14="http://schemas.microsoft.com/office/powerpoint/2010/main" val="2583020326"/>
+        <p14:creationId xmlns:p14="http://schemas.microsoft.com/office/powerpoint/2010/main" val="3442650013"/>
       </p:ext>
     </p:extLst>
   </p:cSld>
@@ -4992,61 +5205,106 @@
       </p:grpSpPr>
       <p:sp>
         <p:nvSpPr>
-          <p:cNvPr id="2" name="Title 1">
-            <a:extLst>
-              <a:ext uri="{FF2B5EF4-FFF2-40B4-BE49-F238E27FC236}">
-                <a16:creationId xmlns:a16="http://schemas.microsoft.com/office/drawing/2014/main" id="{15935B59-12F8-7F2D-6221-4F9710C8730D}"/>
-              </a:ext>
-            </a:extLst>
-          </p:cNvPr>
-          <p:cNvSpPr>
-            <a:spLocks noGrp="1"/>
-          </p:cNvSpPr>
-          <p:nvPr>
-            <p:ph type="title"/>
-          </p:nvPr>
-        </p:nvSpPr>
-        <p:spPr/>
-        <p:txBody>
-          <a:bodyPr/>
-          <a:lstStyle/>
-          <a:p>
-            <a:r>
-              <a:rPr lang="en-CA" dirty="0"/>
-              <a:t>Conclusion</a:t>
-            </a:r>
-          </a:p>
-        </p:txBody>
-      </p:sp>
-      <p:sp>
-        <p:nvSpPr>
-          <p:cNvPr id="3" name="Content Placeholder 2">
-            <a:extLst>
-              <a:ext uri="{FF2B5EF4-FFF2-40B4-BE49-F238E27FC236}">
-                <a16:creationId xmlns:a16="http://schemas.microsoft.com/office/drawing/2014/main" id="{F50E6124-D632-068F-DF39-AD1D5930C87D}"/>
-              </a:ext>
-            </a:extLst>
-          </p:cNvPr>
-          <p:cNvSpPr>
+          <p:cNvPr id="4" name="Content Placeholder 3">
+            <a:extLst>
+              <a:ext uri="{FF2B5EF4-FFF2-40B4-BE49-F238E27FC236}">
+                <a16:creationId xmlns:a16="http://schemas.microsoft.com/office/drawing/2014/main" id="{05B3D4B9-453C-3380-C8EE-429BE13FA5C7}"/>
+              </a:ext>
+            </a:extLst>
+          </p:cNvPr>
+          <p:cNvSpPr txBox="1">
             <a:spLocks noGrp="1"/>
           </p:cNvSpPr>
           <p:nvPr>
             <p:ph idx="1"/>
           </p:nvPr>
         </p:nvSpPr>
-        <p:spPr/>
-        <p:txBody>
-          <a:bodyPr/>
-          <a:lstStyle/>
-          <a:p>
-            <a:endParaRPr lang="en-CA"/>
-          </a:p>
-        </p:txBody>
-      </p:sp>
+        <p:spPr>
+          <a:xfrm>
+            <a:off x="675640" y="373169"/>
+            <a:ext cx="10515600" cy="719171"/>
+          </a:xfrm>
+          <a:prstGeom prst="rect">
+            <a:avLst/>
+          </a:prstGeom>
+          <a:noFill/>
+        </p:spPr>
+        <p:txBody>
+          <a:bodyPr wrap="square">
+            <a:spAutoFit/>
+          </a:bodyPr>
+          <a:lstStyle/>
+          <a:p>
+            <a:pPr marL="0" indent="0">
+              <a:buNone/>
+            </a:pPr>
+            <a:r>
+              <a:rPr lang="en-CA" sz="1800" dirty="0"/>
+              <a:t>Visualization 6: </a:t>
+            </a:r>
+          </a:p>
+          <a:p>
+            <a:pPr marL="0" indent="0">
+              <a:buNone/>
+            </a:pPr>
+            <a:r>
+              <a:rPr lang="en-CA" sz="1800" dirty="0"/>
+              <a:t>Pie chart showing the distribution of Crime Victims by Gender.</a:t>
+            </a:r>
+          </a:p>
+        </p:txBody>
+      </p:sp>
+      <p:pic>
+        <p:nvPicPr>
+          <p:cNvPr id="5" name="Picture 2">
+            <a:extLst>
+              <a:ext uri="{FF2B5EF4-FFF2-40B4-BE49-F238E27FC236}">
+                <a16:creationId xmlns:a16="http://schemas.microsoft.com/office/drawing/2014/main" id="{9EB2D544-2CCE-11ED-E894-003E63851885}"/>
+              </a:ext>
+            </a:extLst>
+          </p:cNvPr>
+          <p:cNvPicPr>
+            <a:picLocks noChangeAspect="1" noChangeArrowheads="1"/>
+          </p:cNvPicPr>
+          <p:nvPr/>
+        </p:nvPicPr>
+        <p:blipFill>
+          <a:blip r:embed="rId2">
+            <a:extLst>
+              <a:ext uri="{28A0092B-C50C-407E-A947-70E740481C1C}">
+                <a14:useLocalDpi xmlns:a14="http://schemas.microsoft.com/office/drawing/2010/main" val="0"/>
+              </a:ext>
+            </a:extLst>
+          </a:blip>
+          <a:srcRect/>
+          <a:stretch>
+            <a:fillRect/>
+          </a:stretch>
+        </p:blipFill>
+        <p:spPr bwMode="auto">
+          <a:xfrm>
+            <a:off x="2806695" y="1547762"/>
+            <a:ext cx="5687065" cy="4516523"/>
+          </a:xfrm>
+          <a:prstGeom prst="rect">
+            <a:avLst/>
+          </a:prstGeom>
+          <a:noFill/>
+          <a:extLst>
+            <a:ext uri="{909E8E84-426E-40DD-AFC4-6F175D3DCCD1}">
+              <a14:hiddenFill xmlns:a14="http://schemas.microsoft.com/office/drawing/2010/main">
+                <a:solidFill>
+                  <a:srgbClr val="FFFFFF"/>
+                </a:solidFill>
+              </a14:hiddenFill>
+            </a:ext>
+          </a:extLst>
+        </p:spPr>
+      </p:pic>
     </p:spTree>
     <p:extLst>
       <p:ext uri="{BB962C8B-B14F-4D97-AF65-F5344CB8AC3E}">
-        <p14:creationId xmlns:p14="http://schemas.microsoft.com/office/powerpoint/2010/main" val="3025262645"/>
+        <p14:creationId xmlns:p14="http://schemas.microsoft.com/office/powerpoint/2010/main" val="4092349691"/>
       </p:ext>
     </p:extLst>
   </p:cSld>
@@ -5075,240 +5333,169 @@
       </p:grpSpPr>
       <p:sp>
         <p:nvSpPr>
-          <p:cNvPr id="3" name="TextBox 2">
-            <a:extLst>
-              <a:ext uri="{FF2B5EF4-FFF2-40B4-BE49-F238E27FC236}">
-                <a16:creationId xmlns:a16="http://schemas.microsoft.com/office/drawing/2014/main" id="{B73DB190-7C4A-7A52-A330-DE917060F7DC}"/>
-              </a:ext>
-            </a:extLst>
-          </p:cNvPr>
-          <p:cNvSpPr txBox="1"/>
-          <p:nvPr/>
-        </p:nvSpPr>
-        <p:spPr>
-          <a:xfrm>
-            <a:off x="804672" y="58846"/>
-            <a:ext cx="10442448" cy="5909310"/>
-          </a:xfrm>
-          <a:prstGeom prst="rect">
-            <a:avLst/>
-          </a:prstGeom>
-          <a:noFill/>
-        </p:spPr>
-        <p:txBody>
-          <a:bodyPr wrap="square">
-            <a:spAutoFit/>
+          <p:cNvPr id="2" name="Title 1">
+            <a:extLst>
+              <a:ext uri="{FF2B5EF4-FFF2-40B4-BE49-F238E27FC236}">
+                <a16:creationId xmlns:a16="http://schemas.microsoft.com/office/drawing/2014/main" id="{59311E2D-1D08-76EE-8B65-B2A28D705D0D}"/>
+              </a:ext>
+            </a:extLst>
+          </p:cNvPr>
+          <p:cNvSpPr>
+            <a:spLocks noGrp="1"/>
+          </p:cNvSpPr>
+          <p:nvPr>
+            <p:ph type="title"/>
+          </p:nvPr>
+        </p:nvSpPr>
+        <p:spPr/>
+        <p:txBody>
+          <a:bodyPr>
+            <a:normAutofit/>
           </a:bodyPr>
           <a:lstStyle/>
           <a:p>
-            <a:pPr algn="l"/>
-            <a:r>
-              <a:rPr lang="en-US" b="1" i="0" dirty="0">
-                <a:solidFill>
-                  <a:srgbClr val="374151"/>
+            <a:r>
+              <a:rPr lang="en-CA" sz="3200" b="1" dirty="0"/>
+              <a:t>Distribution of Crime Type Victims by Descent</a:t>
+            </a:r>
+            <a:endParaRPr lang="en-CA" sz="3200" dirty="0"/>
+          </a:p>
+        </p:txBody>
+      </p:sp>
+      <p:sp>
+        <p:nvSpPr>
+          <p:cNvPr id="3" name="Content Placeholder 2">
+            <a:extLst>
+              <a:ext uri="{FF2B5EF4-FFF2-40B4-BE49-F238E27FC236}">
+                <a16:creationId xmlns:a16="http://schemas.microsoft.com/office/drawing/2014/main" id="{328B79B2-1656-B966-3EDD-0075FFF5CCD4}"/>
+              </a:ext>
+            </a:extLst>
+          </p:cNvPr>
+          <p:cNvSpPr>
+            <a:spLocks noGrp="1"/>
+          </p:cNvSpPr>
+          <p:nvPr>
+            <p:ph idx="1"/>
+          </p:nvPr>
+        </p:nvSpPr>
+        <p:spPr/>
+        <p:txBody>
+          <a:bodyPr/>
+          <a:lstStyle/>
+          <a:p>
+            <a:pPr marL="0" indent="0">
+              <a:buFont typeface="Arial" panose="020B0604020202020204" pitchFamily="34" charset="0"/>
+              <a:buNone/>
+            </a:pPr>
+            <a:r>
+              <a:rPr lang="en-US" sz="1700" dirty="0">
+                <a:ea typeface="Calibri" panose="020F0502020204030204" pitchFamily="34" charset="0"/>
+                <a:cs typeface="Calibri" panose="020F0502020204030204" pitchFamily="34" charset="0"/>
+              </a:rPr>
+              <a:t>Looking at the visualizations, it's evident that the 3 ethnic groups that represent the highest percentage of crime victims by descent are Hispanic, White and Black.</a:t>
+            </a:r>
+            <a:br>
+              <a:rPr lang="en-US" sz="1700" dirty="0">
+                <a:ea typeface="Calibri" panose="020F0502020204030204" pitchFamily="34" charset="0"/>
+                <a:cs typeface="Calibri" panose="020F0502020204030204" pitchFamily="34" charset="0"/>
+              </a:rPr>
+            </a:br>
+            <a:endParaRPr lang="en-US" sz="1700" dirty="0">
+              <a:ea typeface="Calibri" panose="020F0502020204030204" pitchFamily="34" charset="0"/>
+              <a:cs typeface="Calibri" panose="020F0502020204030204" pitchFamily="34" charset="0"/>
+            </a:endParaRPr>
+          </a:p>
+          <a:p>
+            <a:pPr lvl="1">
+              <a:buFont typeface="+mj-lt"/>
+              <a:buAutoNum type="arabicPeriod"/>
+            </a:pPr>
+            <a:r>
+              <a:rPr lang="en-US" sz="1800" dirty="0">
+                <a:ea typeface="Calibri" panose="020F0502020204030204" pitchFamily="34" charset="0"/>
+                <a:cs typeface="Calibri" panose="020F0502020204030204" pitchFamily="34" charset="0"/>
+              </a:rPr>
+              <a:t>Hispanic – Victims of Hispanic descent represent the highest percentage of crime victims: 35.8%.</a:t>
+            </a:r>
+          </a:p>
+          <a:p>
+            <a:pPr lvl="1">
+              <a:buFont typeface="+mj-lt"/>
+              <a:buAutoNum type="arabicPeriod"/>
+            </a:pPr>
+            <a:r>
+              <a:rPr lang="en-US" sz="1800" dirty="0">
+                <a:ea typeface="Calibri" panose="020F0502020204030204" pitchFamily="34" charset="0"/>
+                <a:cs typeface="Calibri" panose="020F0502020204030204" pitchFamily="34" charset="0"/>
+              </a:rPr>
+              <a:t>White – White Victims represent the second highest percentage of crime victims: 23.8%.</a:t>
+            </a:r>
+          </a:p>
+          <a:p>
+            <a:pPr lvl="1">
+              <a:buFont typeface="+mj-lt"/>
+              <a:buAutoNum type="arabicPeriod"/>
+            </a:pPr>
+            <a:r>
+              <a:rPr lang="en-US" sz="1800" dirty="0">
+                <a:ea typeface="Calibri" panose="020F0502020204030204" pitchFamily="34" charset="0"/>
+                <a:cs typeface="Calibri" panose="020F0502020204030204" pitchFamily="34" charset="0"/>
+              </a:rPr>
+              <a:t>Black – Black Victims represent the third highest percentage of crime victims: 16.6%.</a:t>
+            </a:r>
+          </a:p>
+          <a:p>
+            <a:pPr lvl="1">
+              <a:buFont typeface="+mj-lt"/>
+              <a:buAutoNum type="arabicPeriod"/>
+            </a:pPr>
+            <a:r>
+              <a:rPr lang="en-US" sz="1800" dirty="0">
+                <a:ea typeface="Calibri" panose="020F0502020204030204" pitchFamily="34" charset="0"/>
+                <a:cs typeface="Calibri" panose="020F0502020204030204" pitchFamily="34" charset="0"/>
+              </a:rPr>
+              <a:t>Unknown – 9.3% of Victims are of unknown descent. </a:t>
+            </a:r>
+          </a:p>
+          <a:p>
+            <a:pPr marL="457200" lvl="1" indent="0">
+              <a:buNone/>
+            </a:pPr>
+            <a:endParaRPr lang="en-US" sz="1300" dirty="0">
+              <a:ea typeface="Calibri" panose="020F0502020204030204" pitchFamily="34" charset="0"/>
+              <a:cs typeface="Calibri" panose="020F0502020204030204" pitchFamily="34" charset="0"/>
+            </a:endParaRPr>
+          </a:p>
+          <a:p>
+            <a:pPr marL="0" indent="0">
+              <a:buFont typeface="Arial" panose="020B0604020202020204" pitchFamily="34" charset="0"/>
+              <a:buNone/>
+            </a:pPr>
+            <a:r>
+              <a:rPr lang="en-US" sz="1700" dirty="0">
+                <a:ea typeface="Calibri" panose="020F0502020204030204" pitchFamily="34" charset="0"/>
+                <a:cs typeface="Calibri" panose="020F0502020204030204" pitchFamily="34" charset="0"/>
+              </a:rPr>
+              <a:t>Since the start of the COVID-19 pandemic, there has been an increase in the number of Hispanic and Black victims  has played out almost entirely among Latino and Black victims of homicides in Los </a:t>
+            </a:r>
+            <a:r>
+              <a:rPr lang="en-CA" sz="1200" b="0" i="0" dirty="0">
+                <a:solidFill>
+                  <a:srgbClr val="000000"/>
                 </a:solidFill>
                 <a:effectLst/>
+                <a:latin typeface="source-serif-pro"/>
               </a:rPr>
-              <a:t>Contributions to Project Questions:</a:t>
-            </a:r>
-            <a:endParaRPr lang="en-US" b="0" i="0" dirty="0">
-              <a:solidFill>
-                <a:srgbClr val="374151"/>
-              </a:solidFill>
-              <a:effectLst/>
-            </a:endParaRPr>
-          </a:p>
-          <a:p>
-            <a:pPr algn="l"/>
-            <a:endParaRPr lang="en-US" b="1" i="0" dirty="0">
-              <a:solidFill>
-                <a:srgbClr val="374151"/>
-              </a:solidFill>
-              <a:effectLst/>
-            </a:endParaRPr>
-          </a:p>
-          <a:p>
-            <a:pPr algn="l"/>
-            <a:r>
-              <a:rPr lang="en-US" b="1" i="0" dirty="0">
-                <a:solidFill>
-                  <a:srgbClr val="374151"/>
-                </a:solidFill>
-                <a:effectLst/>
-              </a:rPr>
-              <a:t>Question 1 (Crime distribution by area):</a:t>
-            </a:r>
-            <a:r>
-              <a:rPr lang="en-US" b="0" i="0" dirty="0">
-                <a:solidFill>
-                  <a:srgbClr val="374151"/>
-                </a:solidFill>
-                <a:effectLst/>
-              </a:rPr>
-              <a:t> </a:t>
-            </a:r>
-          </a:p>
-          <a:p>
-            <a:pPr algn="l"/>
-            <a:r>
-              <a:rPr lang="en-US" b="0" i="0" dirty="0">
-                <a:solidFill>
-                  <a:srgbClr val="374151"/>
-                </a:solidFill>
-                <a:effectLst/>
-              </a:rPr>
-              <a:t>Fabia's expertise in data collection and preprocessing, combined with Raymon's prowess in data visualization, resulted in a bar plot displaying total crime counts for each area. Additionally, statistical analysis, particularly the t-test comparing crime counts between different areas, was conducted.</a:t>
-            </a:r>
-          </a:p>
-          <a:p>
-            <a:pPr algn="l"/>
-            <a:endParaRPr lang="en-US" b="1" i="0" dirty="0">
-              <a:solidFill>
-                <a:srgbClr val="374151"/>
-              </a:solidFill>
-              <a:effectLst/>
-            </a:endParaRPr>
-          </a:p>
-          <a:p>
-            <a:pPr algn="l"/>
-            <a:r>
-              <a:rPr lang="en-US" b="1" i="0" dirty="0">
-                <a:solidFill>
-                  <a:srgbClr val="374151"/>
-                </a:solidFill>
-                <a:effectLst/>
-              </a:rPr>
-              <a:t>Question 2 (Monthly crime trends over the years):</a:t>
-            </a:r>
-            <a:r>
-              <a:rPr lang="en-US" b="0" i="0" dirty="0">
-                <a:solidFill>
-                  <a:srgbClr val="374151"/>
-                </a:solidFill>
-                <a:effectLst/>
-              </a:rPr>
-              <a:t> </a:t>
-            </a:r>
-          </a:p>
-          <a:p>
-            <a:pPr algn="l"/>
-            <a:r>
-              <a:rPr lang="en-US" b="0" i="0" dirty="0">
-                <a:solidFill>
-                  <a:srgbClr val="374151"/>
-                </a:solidFill>
-                <a:effectLst/>
-              </a:rPr>
-              <a:t>Mike's leadership in statistical analysis and Jia's contributions to interpreting findings led to comprehensive insights into crime trends. Visualizations, such as line plots for crime trends and correlation analysis using scatter plots, were key aspects of this investigation.</a:t>
-            </a:r>
-          </a:p>
-          <a:p>
-            <a:pPr algn="l"/>
-            <a:endParaRPr lang="en-US" b="1" i="0" dirty="0">
-              <a:solidFill>
-                <a:srgbClr val="374151"/>
-              </a:solidFill>
-              <a:effectLst/>
-            </a:endParaRPr>
-          </a:p>
-          <a:p>
-            <a:pPr algn="l"/>
-            <a:r>
-              <a:rPr lang="en-US" b="1" i="0" dirty="0">
-                <a:solidFill>
-                  <a:srgbClr val="374151"/>
-                </a:solidFill>
-                <a:effectLst/>
-              </a:rPr>
-              <a:t>Question 3 (Distribution of crime types):</a:t>
-            </a:r>
-            <a:r>
-              <a:rPr lang="en-US" b="0" i="0" dirty="0">
-                <a:solidFill>
-                  <a:srgbClr val="374151"/>
-                </a:solidFill>
-                <a:effectLst/>
-              </a:rPr>
-              <a:t> </a:t>
-            </a:r>
-          </a:p>
-          <a:p>
-            <a:pPr algn="l"/>
-            <a:r>
-              <a:rPr lang="en-US" b="0" i="0" dirty="0">
-                <a:solidFill>
-                  <a:srgbClr val="374151"/>
-                </a:solidFill>
-                <a:effectLst/>
-              </a:rPr>
-              <a:t>Raymon's expertise in data visualization contributed to the creation of pie charts or bar plots illustrating the distribution of crime types. Statistical analysis was conducted using the chi-square test to explore associations between crime types and other categorical variables.</a:t>
-            </a:r>
-          </a:p>
-          <a:p>
-            <a:pPr algn="l"/>
-            <a:endParaRPr lang="en-US" b="1" i="0" dirty="0">
-              <a:solidFill>
-                <a:srgbClr val="374151"/>
-              </a:solidFill>
-              <a:effectLst/>
-            </a:endParaRPr>
-          </a:p>
-          <a:p>
-            <a:pPr algn="l"/>
-            <a:r>
-              <a:rPr lang="en-US" b="1" i="0" dirty="0">
-                <a:solidFill>
-                  <a:srgbClr val="374151"/>
-                </a:solidFill>
-                <a:effectLst/>
-              </a:rPr>
-              <a:t>Question 4 (Demographics of crime victims):</a:t>
-            </a:r>
-            <a:r>
-              <a:rPr lang="en-US" b="0" i="0" dirty="0">
-                <a:solidFill>
-                  <a:srgbClr val="374151"/>
-                </a:solidFill>
-                <a:effectLst/>
-              </a:rPr>
-              <a:t> </a:t>
-            </a:r>
-          </a:p>
-          <a:p>
-            <a:pPr algn="l"/>
-            <a:r>
-              <a:rPr lang="en-US" b="0" i="0" dirty="0">
-                <a:solidFill>
-                  <a:srgbClr val="374151"/>
-                </a:solidFill>
-                <a:effectLst/>
-              </a:rPr>
-              <a:t>Visualizations depicting demographic distributions were a result of </a:t>
-            </a:r>
-            <a:r>
-              <a:rPr lang="en-US" dirty="0">
-                <a:solidFill>
-                  <a:srgbClr val="374151"/>
-                </a:solidFill>
-              </a:rPr>
-              <a:t>Ariana</a:t>
-            </a:r>
-            <a:r>
-              <a:rPr lang="en-US" b="0" i="0" dirty="0">
-                <a:solidFill>
-                  <a:srgbClr val="374151"/>
-                </a:solidFill>
-                <a:effectLst/>
-              </a:rPr>
-              <a:t>'s and Jia's contributions. Additionally, statistical tests, including t-tests, were conducted to compare different demographic groups based on victim demographics.</a:t>
-            </a:r>
+              <a:t>(Rector, 2021, paras. 1),</a:t>
+            </a:r>
+            <a:endParaRPr lang="en-CA" dirty="0"/>
           </a:p>
         </p:txBody>
       </p:sp>
     </p:spTree>
     <p:extLst>
       <p:ext uri="{BB962C8B-B14F-4D97-AF65-F5344CB8AC3E}">
-        <p14:creationId xmlns:p14="http://schemas.microsoft.com/office/powerpoint/2010/main" val="1719471550"/>
+        <p14:creationId xmlns:p14="http://schemas.microsoft.com/office/powerpoint/2010/main" val="246408988"/>
       </p:ext>
     </p:extLst>
   </p:cSld>
@@ -5337,76 +5524,352 @@
       </p:grpSpPr>
       <p:sp>
         <p:nvSpPr>
-          <p:cNvPr id="2" name="Title 1">
-            <a:extLst>
-              <a:ext uri="{FF2B5EF4-FFF2-40B4-BE49-F238E27FC236}">
-                <a16:creationId xmlns:a16="http://schemas.microsoft.com/office/drawing/2014/main" id="{DF72FA8D-4C0B-7B05-6682-D78A89EDEB6B}"/>
-              </a:ext>
-            </a:extLst>
-          </p:cNvPr>
-          <p:cNvSpPr>
-            <a:spLocks noGrp="1"/>
-          </p:cNvSpPr>
-          <p:nvPr>
-            <p:ph type="title"/>
-          </p:nvPr>
-        </p:nvSpPr>
-        <p:spPr/>
-        <p:txBody>
-          <a:bodyPr/>
-          <a:lstStyle/>
-          <a:p>
-            <a:r>
-              <a:rPr lang="en-CA" dirty="0"/>
-              <a:t>Bibliography</a:t>
-            </a:r>
-          </a:p>
-        </p:txBody>
-      </p:sp>
-      <p:sp>
-        <p:nvSpPr>
-          <p:cNvPr id="3" name="Content Placeholder 2">
-            <a:extLst>
-              <a:ext uri="{FF2B5EF4-FFF2-40B4-BE49-F238E27FC236}">
-                <a16:creationId xmlns:a16="http://schemas.microsoft.com/office/drawing/2014/main" id="{F8A63AA6-B7B8-117D-D84A-9FA6D1BA7248}"/>
-              </a:ext>
-            </a:extLst>
-          </p:cNvPr>
-          <p:cNvSpPr>
-            <a:spLocks noGrp="1"/>
-          </p:cNvSpPr>
-          <p:nvPr>
-            <p:ph idx="1"/>
-          </p:nvPr>
-        </p:nvSpPr>
-        <p:spPr/>
-        <p:txBody>
-          <a:bodyPr/>
-          <a:lstStyle/>
+          <p:cNvPr id="4" name="Content Placeholder 3">
+            <a:extLst>
+              <a:ext uri="{FF2B5EF4-FFF2-40B4-BE49-F238E27FC236}">
+                <a16:creationId xmlns:a16="http://schemas.microsoft.com/office/drawing/2014/main" id="{093FACB9-A3BE-199B-60DE-7582F9192964}"/>
+              </a:ext>
+            </a:extLst>
+          </p:cNvPr>
+          <p:cNvSpPr txBox="1">
+            <a:spLocks/>
+          </p:cNvSpPr>
+          <p:nvPr/>
+        </p:nvSpPr>
+        <p:spPr>
+          <a:xfrm>
+            <a:off x="675640" y="373169"/>
+            <a:ext cx="10515600" cy="719171"/>
+          </a:xfrm>
+          <a:prstGeom prst="rect">
+            <a:avLst/>
+          </a:prstGeom>
+          <a:noFill/>
+        </p:spPr>
+        <p:txBody>
+          <a:bodyPr vert="horz" wrap="square" lIns="91440" tIns="45720" rIns="91440" bIns="45720" rtlCol="0">
+            <a:spAutoFit/>
+          </a:bodyPr>
+          <a:lstStyle>
+            <a:lvl1pPr marL="228600" indent="-228600" algn="l" defTabSz="914400" rtl="0" eaLnBrk="1" latinLnBrk="0" hangingPunct="1">
+              <a:lnSpc>
+                <a:spcPct val="90000"/>
+              </a:lnSpc>
+              <a:spcBef>
+                <a:spcPts val="1000"/>
+              </a:spcBef>
+              <a:buFont typeface="Arial" panose="020B0604020202020204" pitchFamily="34" charset="0"/>
+              <a:buChar char="•"/>
+              <a:defRPr sz="2800" kern="1200">
+                <a:solidFill>
+                  <a:schemeClr val="tx1"/>
+                </a:solidFill>
+                <a:latin typeface="+mn-lt"/>
+                <a:ea typeface="+mn-ea"/>
+                <a:cs typeface="+mn-cs"/>
+              </a:defRPr>
+            </a:lvl1pPr>
+            <a:lvl2pPr marL="685800" indent="-228600" algn="l" defTabSz="914400" rtl="0" eaLnBrk="1" latinLnBrk="0" hangingPunct="1">
+              <a:lnSpc>
+                <a:spcPct val="90000"/>
+              </a:lnSpc>
+              <a:spcBef>
+                <a:spcPts val="500"/>
+              </a:spcBef>
+              <a:buFont typeface="Arial" panose="020B0604020202020204" pitchFamily="34" charset="0"/>
+              <a:buChar char="•"/>
+              <a:defRPr sz="2400" kern="1200">
+                <a:solidFill>
+                  <a:schemeClr val="tx1"/>
+                </a:solidFill>
+                <a:latin typeface="+mn-lt"/>
+                <a:ea typeface="+mn-ea"/>
+                <a:cs typeface="+mn-cs"/>
+              </a:defRPr>
+            </a:lvl2pPr>
+            <a:lvl3pPr marL="1143000" indent="-228600" algn="l" defTabSz="914400" rtl="0" eaLnBrk="1" latinLnBrk="0" hangingPunct="1">
+              <a:lnSpc>
+                <a:spcPct val="90000"/>
+              </a:lnSpc>
+              <a:spcBef>
+                <a:spcPts val="500"/>
+              </a:spcBef>
+              <a:buFont typeface="Arial" panose="020B0604020202020204" pitchFamily="34" charset="0"/>
+              <a:buChar char="•"/>
+              <a:defRPr sz="2000" kern="1200">
+                <a:solidFill>
+                  <a:schemeClr val="tx1"/>
+                </a:solidFill>
+                <a:latin typeface="+mn-lt"/>
+                <a:ea typeface="+mn-ea"/>
+                <a:cs typeface="+mn-cs"/>
+              </a:defRPr>
+            </a:lvl3pPr>
+            <a:lvl4pPr marL="1600200" indent="-228600" algn="l" defTabSz="914400" rtl="0" eaLnBrk="1" latinLnBrk="0" hangingPunct="1">
+              <a:lnSpc>
+                <a:spcPct val="90000"/>
+              </a:lnSpc>
+              <a:spcBef>
+                <a:spcPts val="500"/>
+              </a:spcBef>
+              <a:buFont typeface="Arial" panose="020B0604020202020204" pitchFamily="34" charset="0"/>
+              <a:buChar char="•"/>
+              <a:defRPr sz="1800" kern="1200">
+                <a:solidFill>
+                  <a:schemeClr val="tx1"/>
+                </a:solidFill>
+                <a:latin typeface="+mn-lt"/>
+                <a:ea typeface="+mn-ea"/>
+                <a:cs typeface="+mn-cs"/>
+              </a:defRPr>
+            </a:lvl4pPr>
+            <a:lvl5pPr marL="2057400" indent="-228600" algn="l" defTabSz="914400" rtl="0" eaLnBrk="1" latinLnBrk="0" hangingPunct="1">
+              <a:lnSpc>
+                <a:spcPct val="90000"/>
+              </a:lnSpc>
+              <a:spcBef>
+                <a:spcPts val="500"/>
+              </a:spcBef>
+              <a:buFont typeface="Arial" panose="020B0604020202020204" pitchFamily="34" charset="0"/>
+              <a:buChar char="•"/>
+              <a:defRPr sz="1800" kern="1200">
+                <a:solidFill>
+                  <a:schemeClr val="tx1"/>
+                </a:solidFill>
+                <a:latin typeface="+mn-lt"/>
+                <a:ea typeface="+mn-ea"/>
+                <a:cs typeface="+mn-cs"/>
+              </a:defRPr>
+            </a:lvl5pPr>
+            <a:lvl6pPr marL="2514600" indent="-228600" algn="l" defTabSz="914400" rtl="0" eaLnBrk="1" latinLnBrk="0" hangingPunct="1">
+              <a:lnSpc>
+                <a:spcPct val="90000"/>
+              </a:lnSpc>
+              <a:spcBef>
+                <a:spcPts val="500"/>
+              </a:spcBef>
+              <a:buFont typeface="Arial" panose="020B0604020202020204" pitchFamily="34" charset="0"/>
+              <a:buChar char="•"/>
+              <a:defRPr sz="1800" kern="1200">
+                <a:solidFill>
+                  <a:schemeClr val="tx1"/>
+                </a:solidFill>
+                <a:latin typeface="+mn-lt"/>
+                <a:ea typeface="+mn-ea"/>
+                <a:cs typeface="+mn-cs"/>
+              </a:defRPr>
+            </a:lvl6pPr>
+            <a:lvl7pPr marL="2971800" indent="-228600" algn="l" defTabSz="914400" rtl="0" eaLnBrk="1" latinLnBrk="0" hangingPunct="1">
+              <a:lnSpc>
+                <a:spcPct val="90000"/>
+              </a:lnSpc>
+              <a:spcBef>
+                <a:spcPts val="500"/>
+              </a:spcBef>
+              <a:buFont typeface="Arial" panose="020B0604020202020204" pitchFamily="34" charset="0"/>
+              <a:buChar char="•"/>
+              <a:defRPr sz="1800" kern="1200">
+                <a:solidFill>
+                  <a:schemeClr val="tx1"/>
+                </a:solidFill>
+                <a:latin typeface="+mn-lt"/>
+                <a:ea typeface="+mn-ea"/>
+                <a:cs typeface="+mn-cs"/>
+              </a:defRPr>
+            </a:lvl7pPr>
+            <a:lvl8pPr marL="3429000" indent="-228600" algn="l" defTabSz="914400" rtl="0" eaLnBrk="1" latinLnBrk="0" hangingPunct="1">
+              <a:lnSpc>
+                <a:spcPct val="90000"/>
+              </a:lnSpc>
+              <a:spcBef>
+                <a:spcPts val="500"/>
+              </a:spcBef>
+              <a:buFont typeface="Arial" panose="020B0604020202020204" pitchFamily="34" charset="0"/>
+              <a:buChar char="•"/>
+              <a:defRPr sz="1800" kern="1200">
+                <a:solidFill>
+                  <a:schemeClr val="tx1"/>
+                </a:solidFill>
+                <a:latin typeface="+mn-lt"/>
+                <a:ea typeface="+mn-ea"/>
+                <a:cs typeface="+mn-cs"/>
+              </a:defRPr>
+            </a:lvl8pPr>
+            <a:lvl9pPr marL="3886200" indent="-228600" algn="l" defTabSz="914400" rtl="0" eaLnBrk="1" latinLnBrk="0" hangingPunct="1">
+              <a:lnSpc>
+                <a:spcPct val="90000"/>
+              </a:lnSpc>
+              <a:spcBef>
+                <a:spcPts val="500"/>
+              </a:spcBef>
+              <a:buFont typeface="Arial" panose="020B0604020202020204" pitchFamily="34" charset="0"/>
+              <a:buChar char="•"/>
+              <a:defRPr sz="1800" kern="1200">
+                <a:solidFill>
+                  <a:schemeClr val="tx1"/>
+                </a:solidFill>
+                <a:latin typeface="+mn-lt"/>
+                <a:ea typeface="+mn-ea"/>
+                <a:cs typeface="+mn-cs"/>
+              </a:defRPr>
+            </a:lvl9pPr>
+          </a:lstStyle>
           <a:p>
             <a:pPr marL="0" indent="0">
+              <a:buFont typeface="Arial" panose="020B0604020202020204" pitchFamily="34" charset="0"/>
               <a:buNone/>
             </a:pPr>
             <a:r>
-              <a:rPr lang="en-CA" dirty="0"/>
-              <a:t>Crime Data from 2020 to Present (City of Los Angeles):</a:t>
+              <a:rPr lang="en-CA" sz="1800" dirty="0"/>
+              <a:t>Visualization 9: </a:t>
             </a:r>
           </a:p>
           <a:p>
             <a:pPr marL="0" indent="0">
+              <a:buFont typeface="Arial" panose="020B0604020202020204" pitchFamily="34" charset="0"/>
               <a:buNone/>
             </a:pPr>
             <a:r>
-              <a:rPr lang="en-CA" dirty="0"/>
-              <a:t>https://catalog.data.gov/dataset/crime-data-from-2020-to-present</a:t>
-            </a:r>
-          </a:p>
-        </p:txBody>
-      </p:sp>
+              <a:rPr lang="en-CA" sz="1800" dirty="0"/>
+              <a:t>Pie chart showing the distribution of Top 10 Crime Victims by Descent.</a:t>
+            </a:r>
+          </a:p>
+        </p:txBody>
+      </p:sp>
+      <p:pic>
+        <p:nvPicPr>
+          <p:cNvPr id="4101" name="Picture 5">
+            <a:extLst>
+              <a:ext uri="{FF2B5EF4-FFF2-40B4-BE49-F238E27FC236}">
+                <a16:creationId xmlns:a16="http://schemas.microsoft.com/office/drawing/2014/main" id="{7F72E3B1-5592-E253-310E-73B0DA30072E}"/>
+              </a:ext>
+            </a:extLst>
+          </p:cNvPr>
+          <p:cNvPicPr>
+            <a:picLocks noChangeAspect="1" noChangeArrowheads="1"/>
+          </p:cNvPicPr>
+          <p:nvPr/>
+        </p:nvPicPr>
+        <p:blipFill>
+          <a:blip r:embed="rId2">
+            <a:extLst>
+              <a:ext uri="{28A0092B-C50C-407E-A947-70E740481C1C}">
+                <a14:useLocalDpi xmlns:a14="http://schemas.microsoft.com/office/drawing/2010/main" val="0"/>
+              </a:ext>
+            </a:extLst>
+          </a:blip>
+          <a:srcRect/>
+          <a:stretch>
+            <a:fillRect/>
+          </a:stretch>
+        </p:blipFill>
+        <p:spPr bwMode="auto">
+          <a:xfrm>
+            <a:off x="2814320" y="1438116"/>
+            <a:ext cx="6160135" cy="4666457"/>
+          </a:xfrm>
+          <a:prstGeom prst="rect">
+            <a:avLst/>
+          </a:prstGeom>
+          <a:noFill/>
+          <a:extLst>
+            <a:ext uri="{909E8E84-426E-40DD-AFC4-6F175D3DCCD1}">
+              <a14:hiddenFill xmlns:a14="http://schemas.microsoft.com/office/drawing/2010/main">
+                <a:solidFill>
+                  <a:srgbClr val="FFFFFF"/>
+                </a:solidFill>
+              </a14:hiddenFill>
+            </a:ext>
+          </a:extLst>
+        </p:spPr>
+      </p:pic>
     </p:spTree>
     <p:extLst>
       <p:ext uri="{BB962C8B-B14F-4D97-AF65-F5344CB8AC3E}">
-        <p14:creationId xmlns:p14="http://schemas.microsoft.com/office/powerpoint/2010/main" val="647504391"/>
+        <p14:creationId xmlns:p14="http://schemas.microsoft.com/office/powerpoint/2010/main" val="3752989685"/>
+      </p:ext>
+    </p:extLst>
+  </p:cSld>
+  <p:clrMapOvr>
+    <a:masterClrMapping/>
+  </p:clrMapOvr>
+</p:sld>
+</file>
+
+<file path=ppt/slides/slide19.xml><?xml version="1.0" encoding="utf-8"?>
+<p:sld xmlns:a="http://schemas.openxmlformats.org/drawingml/2006/main" xmlns:r="http://schemas.openxmlformats.org/officeDocument/2006/relationships" xmlns:p="http://schemas.openxmlformats.org/presentationml/2006/main">
+  <p:cSld>
+    <p:spTree>
+      <p:nvGrpSpPr>
+        <p:cNvPr id="1" name=""/>
+        <p:cNvGrpSpPr/>
+        <p:nvPr/>
+      </p:nvGrpSpPr>
+      <p:grpSpPr>
+        <a:xfrm>
+          <a:off x="0" y="0"/>
+          <a:ext cx="0" cy="0"/>
+          <a:chOff x="0" y="0"/>
+          <a:chExt cx="0" cy="0"/>
+        </a:xfrm>
+      </p:grpSpPr>
+      <p:sp>
+        <p:nvSpPr>
+          <p:cNvPr id="2" name="Title 1">
+            <a:extLst>
+              <a:ext uri="{FF2B5EF4-FFF2-40B4-BE49-F238E27FC236}">
+                <a16:creationId xmlns:a16="http://schemas.microsoft.com/office/drawing/2014/main" id="{7DCB1F06-F8B3-D28B-620C-2CB8D548B303}"/>
+              </a:ext>
+            </a:extLst>
+          </p:cNvPr>
+          <p:cNvSpPr>
+            <a:spLocks noGrp="1"/>
+          </p:cNvSpPr>
+          <p:nvPr>
+            <p:ph type="title"/>
+          </p:nvPr>
+        </p:nvSpPr>
+        <p:spPr/>
+        <p:txBody>
+          <a:bodyPr/>
+          <a:lstStyle/>
+          <a:p>
+            <a:r>
+              <a:rPr lang="en-CA" dirty="0"/>
+              <a:t>Question 4</a:t>
+            </a:r>
+          </a:p>
+        </p:txBody>
+      </p:sp>
+      <p:sp>
+        <p:nvSpPr>
+          <p:cNvPr id="3" name="Content Placeholder 2">
+            <a:extLst>
+              <a:ext uri="{FF2B5EF4-FFF2-40B4-BE49-F238E27FC236}">
+                <a16:creationId xmlns:a16="http://schemas.microsoft.com/office/drawing/2014/main" id="{82E77C82-0D48-31AD-2914-4E65551363BF}"/>
+              </a:ext>
+            </a:extLst>
+          </p:cNvPr>
+          <p:cNvSpPr>
+            <a:spLocks noGrp="1"/>
+          </p:cNvSpPr>
+          <p:nvPr>
+            <p:ph idx="1"/>
+          </p:nvPr>
+        </p:nvSpPr>
+        <p:spPr/>
+        <p:txBody>
+          <a:bodyPr/>
+          <a:lstStyle/>
+          <a:p>
+            <a:endParaRPr lang="en-CA"/>
+          </a:p>
+        </p:txBody>
+      </p:sp>
+    </p:spTree>
+    <p:extLst>
+      <p:ext uri="{BB962C8B-B14F-4D97-AF65-F5344CB8AC3E}">
+        <p14:creationId xmlns:p14="http://schemas.microsoft.com/office/powerpoint/2010/main" val="1006946230"/>
       </p:ext>
     </p:extLst>
   </p:cSld>
@@ -5586,6 +6049,532 @@
     <p:extLst>
       <p:ext uri="{BB962C8B-B14F-4D97-AF65-F5344CB8AC3E}">
         <p14:creationId xmlns:p14="http://schemas.microsoft.com/office/powerpoint/2010/main" val="3563618611"/>
+      </p:ext>
+    </p:extLst>
+  </p:cSld>
+  <p:clrMapOvr>
+    <a:masterClrMapping/>
+  </p:clrMapOvr>
+</p:sld>
+</file>
+
+<file path=ppt/slides/slide20.xml><?xml version="1.0" encoding="utf-8"?>
+<p:sld xmlns:a="http://schemas.openxmlformats.org/drawingml/2006/main" xmlns:r="http://schemas.openxmlformats.org/officeDocument/2006/relationships" xmlns:p="http://schemas.openxmlformats.org/presentationml/2006/main">
+  <p:cSld>
+    <p:spTree>
+      <p:nvGrpSpPr>
+        <p:cNvPr id="1" name=""/>
+        <p:cNvGrpSpPr/>
+        <p:nvPr/>
+      </p:nvGrpSpPr>
+      <p:grpSpPr>
+        <a:xfrm>
+          <a:off x="0" y="0"/>
+          <a:ext cx="0" cy="0"/>
+          <a:chOff x="0" y="0"/>
+          <a:chExt cx="0" cy="0"/>
+        </a:xfrm>
+      </p:grpSpPr>
+      <p:sp>
+        <p:nvSpPr>
+          <p:cNvPr id="2" name="Title 1">
+            <a:extLst>
+              <a:ext uri="{FF2B5EF4-FFF2-40B4-BE49-F238E27FC236}">
+                <a16:creationId xmlns:a16="http://schemas.microsoft.com/office/drawing/2014/main" id="{CA64F088-F15F-776A-FA4E-2E2F49A270BD}"/>
+              </a:ext>
+            </a:extLst>
+          </p:cNvPr>
+          <p:cNvSpPr>
+            <a:spLocks noGrp="1"/>
+          </p:cNvSpPr>
+          <p:nvPr>
+            <p:ph type="title"/>
+          </p:nvPr>
+        </p:nvSpPr>
+        <p:spPr/>
+        <p:txBody>
+          <a:bodyPr/>
+          <a:lstStyle/>
+          <a:p>
+            <a:r>
+              <a:rPr lang="en-CA" dirty="0"/>
+              <a:t>Q4 cont.</a:t>
+            </a:r>
+          </a:p>
+        </p:txBody>
+      </p:sp>
+      <p:sp>
+        <p:nvSpPr>
+          <p:cNvPr id="3" name="Content Placeholder 2">
+            <a:extLst>
+              <a:ext uri="{FF2B5EF4-FFF2-40B4-BE49-F238E27FC236}">
+                <a16:creationId xmlns:a16="http://schemas.microsoft.com/office/drawing/2014/main" id="{2C11B20D-504B-A00F-5EEB-27D908C3894F}"/>
+              </a:ext>
+            </a:extLst>
+          </p:cNvPr>
+          <p:cNvSpPr>
+            <a:spLocks noGrp="1"/>
+          </p:cNvSpPr>
+          <p:nvPr>
+            <p:ph idx="1"/>
+          </p:nvPr>
+        </p:nvSpPr>
+        <p:spPr/>
+        <p:txBody>
+          <a:bodyPr/>
+          <a:lstStyle/>
+          <a:p>
+            <a:endParaRPr lang="en-CA"/>
+          </a:p>
+        </p:txBody>
+      </p:sp>
+    </p:spTree>
+    <p:extLst>
+      <p:ext uri="{BB962C8B-B14F-4D97-AF65-F5344CB8AC3E}">
+        <p14:creationId xmlns:p14="http://schemas.microsoft.com/office/powerpoint/2010/main" val="2583020326"/>
+      </p:ext>
+    </p:extLst>
+  </p:cSld>
+  <p:clrMapOvr>
+    <a:masterClrMapping/>
+  </p:clrMapOvr>
+</p:sld>
+</file>
+
+<file path=ppt/slides/slide21.xml><?xml version="1.0" encoding="utf-8"?>
+<p:sld xmlns:a="http://schemas.openxmlformats.org/drawingml/2006/main" xmlns:r="http://schemas.openxmlformats.org/officeDocument/2006/relationships" xmlns:p="http://schemas.openxmlformats.org/presentationml/2006/main">
+  <p:cSld>
+    <p:spTree>
+      <p:nvGrpSpPr>
+        <p:cNvPr id="1" name=""/>
+        <p:cNvGrpSpPr/>
+        <p:nvPr/>
+      </p:nvGrpSpPr>
+      <p:grpSpPr>
+        <a:xfrm>
+          <a:off x="0" y="0"/>
+          <a:ext cx="0" cy="0"/>
+          <a:chOff x="0" y="0"/>
+          <a:chExt cx="0" cy="0"/>
+        </a:xfrm>
+      </p:grpSpPr>
+      <p:sp>
+        <p:nvSpPr>
+          <p:cNvPr id="2" name="Title 1">
+            <a:extLst>
+              <a:ext uri="{FF2B5EF4-FFF2-40B4-BE49-F238E27FC236}">
+                <a16:creationId xmlns:a16="http://schemas.microsoft.com/office/drawing/2014/main" id="{15935B59-12F8-7F2D-6221-4F9710C8730D}"/>
+              </a:ext>
+            </a:extLst>
+          </p:cNvPr>
+          <p:cNvSpPr>
+            <a:spLocks noGrp="1"/>
+          </p:cNvSpPr>
+          <p:nvPr>
+            <p:ph type="title"/>
+          </p:nvPr>
+        </p:nvSpPr>
+        <p:spPr/>
+        <p:txBody>
+          <a:bodyPr/>
+          <a:lstStyle/>
+          <a:p>
+            <a:r>
+              <a:rPr lang="en-CA" dirty="0"/>
+              <a:t>Conclusion</a:t>
+            </a:r>
+          </a:p>
+        </p:txBody>
+      </p:sp>
+      <p:sp>
+        <p:nvSpPr>
+          <p:cNvPr id="3" name="Content Placeholder 2">
+            <a:extLst>
+              <a:ext uri="{FF2B5EF4-FFF2-40B4-BE49-F238E27FC236}">
+                <a16:creationId xmlns:a16="http://schemas.microsoft.com/office/drawing/2014/main" id="{F50E6124-D632-068F-DF39-AD1D5930C87D}"/>
+              </a:ext>
+            </a:extLst>
+          </p:cNvPr>
+          <p:cNvSpPr>
+            <a:spLocks noGrp="1"/>
+          </p:cNvSpPr>
+          <p:nvPr>
+            <p:ph idx="1"/>
+          </p:nvPr>
+        </p:nvSpPr>
+        <p:spPr/>
+        <p:txBody>
+          <a:bodyPr/>
+          <a:lstStyle/>
+          <a:p>
+            <a:endParaRPr lang="en-CA"/>
+          </a:p>
+        </p:txBody>
+      </p:sp>
+    </p:spTree>
+    <p:extLst>
+      <p:ext uri="{BB962C8B-B14F-4D97-AF65-F5344CB8AC3E}">
+        <p14:creationId xmlns:p14="http://schemas.microsoft.com/office/powerpoint/2010/main" val="3025262645"/>
+      </p:ext>
+    </p:extLst>
+  </p:cSld>
+  <p:clrMapOvr>
+    <a:masterClrMapping/>
+  </p:clrMapOvr>
+</p:sld>
+</file>
+
+<file path=ppt/slides/slide22.xml><?xml version="1.0" encoding="utf-8"?>
+<p:sld xmlns:a="http://schemas.openxmlformats.org/drawingml/2006/main" xmlns:r="http://schemas.openxmlformats.org/officeDocument/2006/relationships" xmlns:p="http://schemas.openxmlformats.org/presentationml/2006/main">
+  <p:cSld>
+    <p:spTree>
+      <p:nvGrpSpPr>
+        <p:cNvPr id="1" name=""/>
+        <p:cNvGrpSpPr/>
+        <p:nvPr/>
+      </p:nvGrpSpPr>
+      <p:grpSpPr>
+        <a:xfrm>
+          <a:off x="0" y="0"/>
+          <a:ext cx="0" cy="0"/>
+          <a:chOff x="0" y="0"/>
+          <a:chExt cx="0" cy="0"/>
+        </a:xfrm>
+      </p:grpSpPr>
+      <p:sp>
+        <p:nvSpPr>
+          <p:cNvPr id="3" name="TextBox 2">
+            <a:extLst>
+              <a:ext uri="{FF2B5EF4-FFF2-40B4-BE49-F238E27FC236}">
+                <a16:creationId xmlns:a16="http://schemas.microsoft.com/office/drawing/2014/main" id="{B73DB190-7C4A-7A52-A330-DE917060F7DC}"/>
+              </a:ext>
+            </a:extLst>
+          </p:cNvPr>
+          <p:cNvSpPr txBox="1"/>
+          <p:nvPr/>
+        </p:nvSpPr>
+        <p:spPr>
+          <a:xfrm>
+            <a:off x="804672" y="58846"/>
+            <a:ext cx="10442448" cy="5909310"/>
+          </a:xfrm>
+          <a:prstGeom prst="rect">
+            <a:avLst/>
+          </a:prstGeom>
+          <a:noFill/>
+        </p:spPr>
+        <p:txBody>
+          <a:bodyPr wrap="square">
+            <a:spAutoFit/>
+          </a:bodyPr>
+          <a:lstStyle/>
+          <a:p>
+            <a:pPr algn="l"/>
+            <a:r>
+              <a:rPr lang="en-US" b="1" i="0" dirty="0">
+                <a:solidFill>
+                  <a:srgbClr val="374151"/>
+                </a:solidFill>
+                <a:effectLst/>
+              </a:rPr>
+              <a:t>Contributions to Project Questions:</a:t>
+            </a:r>
+            <a:endParaRPr lang="en-US" b="0" i="0" dirty="0">
+              <a:solidFill>
+                <a:srgbClr val="374151"/>
+              </a:solidFill>
+              <a:effectLst/>
+            </a:endParaRPr>
+          </a:p>
+          <a:p>
+            <a:pPr algn="l"/>
+            <a:endParaRPr lang="en-US" b="1" i="0" dirty="0">
+              <a:solidFill>
+                <a:srgbClr val="374151"/>
+              </a:solidFill>
+              <a:effectLst/>
+            </a:endParaRPr>
+          </a:p>
+          <a:p>
+            <a:pPr algn="l"/>
+            <a:r>
+              <a:rPr lang="en-US" b="1" i="0" dirty="0">
+                <a:solidFill>
+                  <a:srgbClr val="374151"/>
+                </a:solidFill>
+                <a:effectLst/>
+              </a:rPr>
+              <a:t>Question 1 (Crime distribution by area):</a:t>
+            </a:r>
+            <a:r>
+              <a:rPr lang="en-US" b="0" i="0" dirty="0">
+                <a:solidFill>
+                  <a:srgbClr val="374151"/>
+                </a:solidFill>
+                <a:effectLst/>
+              </a:rPr>
+              <a:t> </a:t>
+            </a:r>
+          </a:p>
+          <a:p>
+            <a:pPr algn="l"/>
+            <a:r>
+              <a:rPr lang="en-US" b="0" i="0" dirty="0">
+                <a:solidFill>
+                  <a:srgbClr val="374151"/>
+                </a:solidFill>
+                <a:effectLst/>
+              </a:rPr>
+              <a:t>Fabia's expertise in data collection and preprocessing, combined with Raymon's prowess in data visualization, resulted in a bar plot displaying total crime counts for each area. Additionally, statistical analysis, particularly the t-test comparing crime counts between different areas, was conducted.</a:t>
+            </a:r>
+          </a:p>
+          <a:p>
+            <a:pPr algn="l"/>
+            <a:endParaRPr lang="en-US" b="1" i="0" dirty="0">
+              <a:solidFill>
+                <a:srgbClr val="374151"/>
+              </a:solidFill>
+              <a:effectLst/>
+            </a:endParaRPr>
+          </a:p>
+          <a:p>
+            <a:pPr algn="l"/>
+            <a:r>
+              <a:rPr lang="en-US" b="1" i="0" dirty="0">
+                <a:solidFill>
+                  <a:srgbClr val="374151"/>
+                </a:solidFill>
+                <a:effectLst/>
+              </a:rPr>
+              <a:t>Question 2 (Monthly crime trends over the years):</a:t>
+            </a:r>
+            <a:r>
+              <a:rPr lang="en-US" b="0" i="0" dirty="0">
+                <a:solidFill>
+                  <a:srgbClr val="374151"/>
+                </a:solidFill>
+                <a:effectLst/>
+              </a:rPr>
+              <a:t> </a:t>
+            </a:r>
+          </a:p>
+          <a:p>
+            <a:pPr algn="l"/>
+            <a:r>
+              <a:rPr lang="en-US" b="0" i="0" dirty="0">
+                <a:solidFill>
+                  <a:srgbClr val="374151"/>
+                </a:solidFill>
+                <a:effectLst/>
+              </a:rPr>
+              <a:t>Mike's leadership in statistical analysis and Jia's contributions to interpreting findings led to comprehensive insights into crime trends. Visualizations, such as line plots for crime trends and correlation analysis using scatter plots, were key aspects of this investigation.</a:t>
+            </a:r>
+          </a:p>
+          <a:p>
+            <a:pPr algn="l"/>
+            <a:endParaRPr lang="en-US" b="1" i="0" dirty="0">
+              <a:solidFill>
+                <a:srgbClr val="374151"/>
+              </a:solidFill>
+              <a:effectLst/>
+            </a:endParaRPr>
+          </a:p>
+          <a:p>
+            <a:pPr algn="l"/>
+            <a:r>
+              <a:rPr lang="en-US" b="1" i="0" dirty="0">
+                <a:solidFill>
+                  <a:srgbClr val="374151"/>
+                </a:solidFill>
+                <a:effectLst/>
+              </a:rPr>
+              <a:t>Question 3 (Distribution of crime types):</a:t>
+            </a:r>
+            <a:r>
+              <a:rPr lang="en-US" b="0" i="0" dirty="0">
+                <a:solidFill>
+                  <a:srgbClr val="374151"/>
+                </a:solidFill>
+                <a:effectLst/>
+              </a:rPr>
+              <a:t> </a:t>
+            </a:r>
+          </a:p>
+          <a:p>
+            <a:pPr algn="l"/>
+            <a:r>
+              <a:rPr lang="en-US" b="0" i="0" dirty="0">
+                <a:solidFill>
+                  <a:srgbClr val="374151"/>
+                </a:solidFill>
+                <a:effectLst/>
+              </a:rPr>
+              <a:t>Raymon's expertise in data visualization contributed to the creation of pie charts or bar plots illustrating the distribution of crime types. Statistical analysis was conducted using the chi-square test to explore associations between crime types and other categorical variables.</a:t>
+            </a:r>
+          </a:p>
+          <a:p>
+            <a:pPr algn="l"/>
+            <a:endParaRPr lang="en-US" b="1" i="0" dirty="0">
+              <a:solidFill>
+                <a:srgbClr val="374151"/>
+              </a:solidFill>
+              <a:effectLst/>
+            </a:endParaRPr>
+          </a:p>
+          <a:p>
+            <a:pPr algn="l"/>
+            <a:r>
+              <a:rPr lang="en-US" b="1" i="0" dirty="0">
+                <a:solidFill>
+                  <a:srgbClr val="374151"/>
+                </a:solidFill>
+                <a:effectLst/>
+              </a:rPr>
+              <a:t>Question 4 (Demographics of crime victims):</a:t>
+            </a:r>
+            <a:r>
+              <a:rPr lang="en-US" b="0" i="0" dirty="0">
+                <a:solidFill>
+                  <a:srgbClr val="374151"/>
+                </a:solidFill>
+                <a:effectLst/>
+              </a:rPr>
+              <a:t> </a:t>
+            </a:r>
+          </a:p>
+          <a:p>
+            <a:pPr algn="l"/>
+            <a:r>
+              <a:rPr lang="en-US" b="0" i="0" dirty="0">
+                <a:solidFill>
+                  <a:srgbClr val="374151"/>
+                </a:solidFill>
+                <a:effectLst/>
+              </a:rPr>
+              <a:t>Visualizations depicting demographic distributions were a result of </a:t>
+            </a:r>
+            <a:r>
+              <a:rPr lang="en-US" dirty="0">
+                <a:solidFill>
+                  <a:srgbClr val="374151"/>
+                </a:solidFill>
+              </a:rPr>
+              <a:t>Ariana</a:t>
+            </a:r>
+            <a:r>
+              <a:rPr lang="en-US" b="0" i="0" dirty="0">
+                <a:solidFill>
+                  <a:srgbClr val="374151"/>
+                </a:solidFill>
+                <a:effectLst/>
+              </a:rPr>
+              <a:t>'s and Jia's contributions. Additionally, statistical tests, including t-tests, were conducted to compare different demographic groups based on victim demographics.</a:t>
+            </a:r>
+          </a:p>
+        </p:txBody>
+      </p:sp>
+    </p:spTree>
+    <p:extLst>
+      <p:ext uri="{BB962C8B-B14F-4D97-AF65-F5344CB8AC3E}">
+        <p14:creationId xmlns:p14="http://schemas.microsoft.com/office/powerpoint/2010/main" val="1719471550"/>
+      </p:ext>
+    </p:extLst>
+  </p:cSld>
+  <p:clrMapOvr>
+    <a:masterClrMapping/>
+  </p:clrMapOvr>
+</p:sld>
+</file>
+
+<file path=ppt/slides/slide23.xml><?xml version="1.0" encoding="utf-8"?>
+<p:sld xmlns:a="http://schemas.openxmlformats.org/drawingml/2006/main" xmlns:r="http://schemas.openxmlformats.org/officeDocument/2006/relationships" xmlns:p="http://schemas.openxmlformats.org/presentationml/2006/main">
+  <p:cSld>
+    <p:spTree>
+      <p:nvGrpSpPr>
+        <p:cNvPr id="1" name=""/>
+        <p:cNvGrpSpPr/>
+        <p:nvPr/>
+      </p:nvGrpSpPr>
+      <p:grpSpPr>
+        <a:xfrm>
+          <a:off x="0" y="0"/>
+          <a:ext cx="0" cy="0"/>
+          <a:chOff x="0" y="0"/>
+          <a:chExt cx="0" cy="0"/>
+        </a:xfrm>
+      </p:grpSpPr>
+      <p:sp>
+        <p:nvSpPr>
+          <p:cNvPr id="2" name="Title 1">
+            <a:extLst>
+              <a:ext uri="{FF2B5EF4-FFF2-40B4-BE49-F238E27FC236}">
+                <a16:creationId xmlns:a16="http://schemas.microsoft.com/office/drawing/2014/main" id="{DF72FA8D-4C0B-7B05-6682-D78A89EDEB6B}"/>
+              </a:ext>
+            </a:extLst>
+          </p:cNvPr>
+          <p:cNvSpPr>
+            <a:spLocks noGrp="1"/>
+          </p:cNvSpPr>
+          <p:nvPr>
+            <p:ph type="title"/>
+          </p:nvPr>
+        </p:nvSpPr>
+        <p:spPr/>
+        <p:txBody>
+          <a:bodyPr/>
+          <a:lstStyle/>
+          <a:p>
+            <a:r>
+              <a:rPr lang="en-CA" dirty="0"/>
+              <a:t>Bibliography</a:t>
+            </a:r>
+          </a:p>
+        </p:txBody>
+      </p:sp>
+      <p:sp>
+        <p:nvSpPr>
+          <p:cNvPr id="3" name="Content Placeholder 2">
+            <a:extLst>
+              <a:ext uri="{FF2B5EF4-FFF2-40B4-BE49-F238E27FC236}">
+                <a16:creationId xmlns:a16="http://schemas.microsoft.com/office/drawing/2014/main" id="{F8A63AA6-B7B8-117D-D84A-9FA6D1BA7248}"/>
+              </a:ext>
+            </a:extLst>
+          </p:cNvPr>
+          <p:cNvSpPr>
+            <a:spLocks noGrp="1"/>
+          </p:cNvSpPr>
+          <p:nvPr>
+            <p:ph idx="1"/>
+          </p:nvPr>
+        </p:nvSpPr>
+        <p:spPr/>
+        <p:txBody>
+          <a:bodyPr/>
+          <a:lstStyle/>
+          <a:p>
+            <a:pPr marL="0" indent="0">
+              <a:buNone/>
+            </a:pPr>
+            <a:r>
+              <a:rPr lang="en-CA" dirty="0"/>
+              <a:t>Crime Data from 2020 to Present (City of Los Angeles):</a:t>
+            </a:r>
+          </a:p>
+          <a:p>
+            <a:pPr marL="0" indent="0">
+              <a:buNone/>
+            </a:pPr>
+            <a:r>
+              <a:rPr lang="en-CA" dirty="0"/>
+              <a:t>https://catalog.data.gov/dataset/crime-data-from-2020-to-present</a:t>
+            </a:r>
+          </a:p>
+        </p:txBody>
+      </p:sp>
+    </p:spTree>
+    <p:extLst>
+      <p:ext uri="{BB962C8B-B14F-4D97-AF65-F5344CB8AC3E}">
+        <p14:creationId xmlns:p14="http://schemas.microsoft.com/office/powerpoint/2010/main" val="647504391"/>
       </p:ext>
     </p:extLst>
   </p:cSld>

--- a/Final Presentation.pptx
+++ b/Final Presentation.pptx
@@ -5,7 +5,7 @@
     <p:sldMasterId id="2147483648" r:id="rId1"/>
   </p:sldMasterIdLst>
   <p:notesMasterIdLst>
-    <p:notesMasterId r:id="rId25"/>
+    <p:notesMasterId r:id="rId27"/>
   </p:notesMasterIdLst>
   <p:sldIdLst>
     <p:sldId id="256" r:id="rId2"/>
@@ -26,11 +26,13 @@
     <p:sldId id="278" r:id="rId17"/>
     <p:sldId id="279" r:id="rId18"/>
     <p:sldId id="280" r:id="rId19"/>
-    <p:sldId id="264" r:id="rId20"/>
-    <p:sldId id="265" r:id="rId21"/>
-    <p:sldId id="266" r:id="rId22"/>
-    <p:sldId id="273" r:id="rId23"/>
-    <p:sldId id="267" r:id="rId24"/>
+    <p:sldId id="281" r:id="rId20"/>
+    <p:sldId id="282" r:id="rId21"/>
+    <p:sldId id="283" r:id="rId22"/>
+    <p:sldId id="284" r:id="rId23"/>
+    <p:sldId id="285" r:id="rId24"/>
+    <p:sldId id="273" r:id="rId25"/>
+    <p:sldId id="267" r:id="rId26"/>
   </p:sldIdLst>
   <p:sldSz cx="12192000" cy="6858000"/>
   <p:notesSz cx="6858000" cy="9144000"/>
@@ -5829,47 +5831,102 @@
             <p:ph type="title"/>
           </p:nvPr>
         </p:nvSpPr>
-        <p:spPr/>
-        <p:txBody>
-          <a:bodyPr/>
+        <p:spPr>
+          <a:xfrm>
+            <a:off x="159544" y="172244"/>
+            <a:ext cx="11872912" cy="1325563"/>
+          </a:xfrm>
+        </p:spPr>
+        <p:txBody>
+          <a:bodyPr>
+            <a:normAutofit fontScale="90000"/>
+          </a:bodyPr>
           <a:lstStyle/>
           <a:p>
             <a:r>
-              <a:rPr lang="en-CA" dirty="0"/>
-              <a:t>Question 4</a:t>
-            </a:r>
-          </a:p>
-        </p:txBody>
-      </p:sp>
-      <p:sp>
-        <p:nvSpPr>
-          <p:cNvPr id="3" name="Content Placeholder 2">
-            <a:extLst>
-              <a:ext uri="{FF2B5EF4-FFF2-40B4-BE49-F238E27FC236}">
-                <a16:creationId xmlns:a16="http://schemas.microsoft.com/office/drawing/2014/main" id="{82E77C82-0D48-31AD-2914-4E65551363BF}"/>
-              </a:ext>
-            </a:extLst>
-          </p:cNvPr>
-          <p:cNvSpPr>
-            <a:spLocks noGrp="1"/>
-          </p:cNvSpPr>
-          <p:nvPr>
-            <p:ph idx="1"/>
-          </p:nvPr>
-        </p:nvSpPr>
-        <p:spPr/>
-        <p:txBody>
-          <a:bodyPr/>
-          <a:lstStyle/>
-          <a:p>
-            <a:endParaRPr lang="en-CA"/>
-          </a:p>
-        </p:txBody>
-      </p:sp>
+              <a:rPr lang="en-US" sz="4400" dirty="0"/>
+              <a:t>Are There </a:t>
+            </a:r>
+            <a:r>
+              <a:rPr lang="en-US" dirty="0"/>
+              <a:t>A</a:t>
+            </a:r>
+            <a:r>
+              <a:rPr lang="en-US" sz="4400" dirty="0"/>
+              <a:t>ny </a:t>
+            </a:r>
+            <a:r>
+              <a:rPr lang="en-US" dirty="0"/>
+              <a:t>S</a:t>
+            </a:r>
+            <a:r>
+              <a:rPr lang="en-US" sz="4400" dirty="0"/>
+              <a:t>pecific </a:t>
+            </a:r>
+            <a:r>
+              <a:rPr lang="en-US" dirty="0"/>
+              <a:t>G</a:t>
+            </a:r>
+            <a:r>
+              <a:rPr lang="en-US" sz="4400" dirty="0"/>
+              <a:t>roups of People </a:t>
+            </a:r>
+            <a:r>
+              <a:rPr lang="en-US" dirty="0"/>
+              <a:t>B</a:t>
+            </a:r>
+            <a:r>
+              <a:rPr lang="en-US" sz="4400" dirty="0"/>
+              <a:t>eing Targeted?</a:t>
+            </a:r>
+            <a:br>
+              <a:rPr lang="en-US" sz="4400" dirty="0"/>
+            </a:br>
+            <a:r>
+              <a:rPr lang="en-US" sz="4400" dirty="0"/>
+              <a:t>Focus: </a:t>
+            </a:r>
+            <a:r>
+              <a:rPr lang="en-US" sz="4400" b="1" dirty="0"/>
+              <a:t>Age</a:t>
+            </a:r>
+            <a:endParaRPr lang="en-CA" b="1" dirty="0"/>
+          </a:p>
+        </p:txBody>
+      </p:sp>
+      <p:pic>
+        <p:nvPicPr>
+          <p:cNvPr id="9" name="Picture 8">
+            <a:extLst>
+              <a:ext uri="{FF2B5EF4-FFF2-40B4-BE49-F238E27FC236}">
+                <a16:creationId xmlns:a16="http://schemas.microsoft.com/office/drawing/2014/main" id="{42BCA5F7-0609-1549-FA0E-2FA13F33CD5A}"/>
+              </a:ext>
+            </a:extLst>
+          </p:cNvPr>
+          <p:cNvPicPr>
+            <a:picLocks noChangeAspect="1"/>
+          </p:cNvPicPr>
+          <p:nvPr/>
+        </p:nvPicPr>
+        <p:blipFill rotWithShape="1">
+          <a:blip r:embed="rId2"/>
+          <a:srcRect r="3892"/>
+          <a:stretch/>
+        </p:blipFill>
+        <p:spPr>
+          <a:xfrm>
+            <a:off x="2107718" y="1580907"/>
+            <a:ext cx="6936270" cy="5104849"/>
+          </a:xfrm>
+          <a:prstGeom prst="rect">
+            <a:avLst/>
+          </a:prstGeom>
+        </p:spPr>
+      </p:pic>
     </p:spTree>
     <p:extLst>
       <p:ext uri="{BB962C8B-B14F-4D97-AF65-F5344CB8AC3E}">
-        <p14:creationId xmlns:p14="http://schemas.microsoft.com/office/powerpoint/2010/main" val="1006946230"/>
+        <p14:creationId xmlns:p14="http://schemas.microsoft.com/office/powerpoint/2010/main" val="1208981882"/>
       </p:ext>
     </p:extLst>
   </p:cSld>
@@ -6075,63 +6132,81 @@
           <a:chExt cx="0" cy="0"/>
         </a:xfrm>
       </p:grpSpPr>
-      <p:sp>
-        <p:nvSpPr>
-          <p:cNvPr id="2" name="Title 1">
-            <a:extLst>
-              <a:ext uri="{FF2B5EF4-FFF2-40B4-BE49-F238E27FC236}">
-                <a16:creationId xmlns:a16="http://schemas.microsoft.com/office/drawing/2014/main" id="{CA64F088-F15F-776A-FA4E-2E2F49A270BD}"/>
-              </a:ext>
-            </a:extLst>
-          </p:cNvPr>
-          <p:cNvSpPr>
-            <a:spLocks noGrp="1"/>
-          </p:cNvSpPr>
-          <p:nvPr>
-            <p:ph type="title"/>
-          </p:nvPr>
-        </p:nvSpPr>
-        <p:spPr/>
-        <p:txBody>
-          <a:bodyPr/>
+      <p:pic>
+        <p:nvPicPr>
+          <p:cNvPr id="3" name="Content Placeholder 4">
+            <a:extLst>
+              <a:ext uri="{FF2B5EF4-FFF2-40B4-BE49-F238E27FC236}">
+                <a16:creationId xmlns:a16="http://schemas.microsoft.com/office/drawing/2014/main" id="{9F8BCEAA-C26A-8494-5642-09852179ABCA}"/>
+              </a:ext>
+            </a:extLst>
+          </p:cNvPr>
+          <p:cNvPicPr>
+            <a:picLocks noChangeAspect="1"/>
+          </p:cNvPicPr>
+          <p:nvPr/>
+        </p:nvPicPr>
+        <p:blipFill rotWithShape="1">
+          <a:blip r:embed="rId2"/>
+          <a:srcRect l="5217"/>
+          <a:stretch/>
+        </p:blipFill>
+        <p:spPr>
+          <a:xfrm>
+            <a:off x="2614612" y="1435011"/>
+            <a:ext cx="6143626" cy="4744662"/>
+          </a:xfrm>
+          <a:prstGeom prst="rect">
+            <a:avLst/>
+          </a:prstGeom>
+        </p:spPr>
+      </p:pic>
+      <p:sp>
+        <p:nvSpPr>
+          <p:cNvPr id="4" name="TextBox 3">
+            <a:extLst>
+              <a:ext uri="{FF2B5EF4-FFF2-40B4-BE49-F238E27FC236}">
+                <a16:creationId xmlns:a16="http://schemas.microsoft.com/office/drawing/2014/main" id="{94363302-341D-AA43-7F61-118A67B0FB40}"/>
+              </a:ext>
+            </a:extLst>
+          </p:cNvPr>
+          <p:cNvSpPr txBox="1"/>
+          <p:nvPr/>
+        </p:nvSpPr>
+        <p:spPr>
+          <a:xfrm>
+            <a:off x="600074" y="392906"/>
+            <a:ext cx="11401425" cy="830997"/>
+          </a:xfrm>
+          <a:prstGeom prst="rect">
+            <a:avLst/>
+          </a:prstGeom>
+          <a:noFill/>
+        </p:spPr>
+        <p:txBody>
+          <a:bodyPr wrap="square" rtlCol="0">
+            <a:spAutoFit/>
+          </a:bodyPr>
           <a:lstStyle/>
           <a:p>
             <a:r>
-              <a:rPr lang="en-CA" dirty="0"/>
-              <a:t>Q4 cont.</a:t>
-            </a:r>
-          </a:p>
-        </p:txBody>
-      </p:sp>
-      <p:sp>
-        <p:nvSpPr>
-          <p:cNvPr id="3" name="Content Placeholder 2">
-            <a:extLst>
-              <a:ext uri="{FF2B5EF4-FFF2-40B4-BE49-F238E27FC236}">
-                <a16:creationId xmlns:a16="http://schemas.microsoft.com/office/drawing/2014/main" id="{2C11B20D-504B-A00F-5EEB-27D908C3894F}"/>
-              </a:ext>
-            </a:extLst>
-          </p:cNvPr>
-          <p:cNvSpPr>
-            <a:spLocks noGrp="1"/>
-          </p:cNvSpPr>
-          <p:nvPr>
-            <p:ph idx="1"/>
-          </p:nvPr>
-        </p:nvSpPr>
-        <p:spPr/>
-        <p:txBody>
-          <a:bodyPr/>
-          <a:lstStyle/>
-          <a:p>
-            <a:endParaRPr lang="en-CA"/>
+              <a:rPr lang="en-US" sz="2400" dirty="0"/>
+              <a:t>Visualization 7</a:t>
+            </a:r>
+          </a:p>
+          <a:p>
+            <a:r>
+              <a:rPr lang="en-US" sz="2400" dirty="0"/>
+              <a:t>Scatterplot displaying the Number of Crimes Committed Against Victims at Different Ages.</a:t>
+            </a:r>
+            <a:endParaRPr lang="en-CA" sz="2400" dirty="0"/>
           </a:p>
         </p:txBody>
       </p:sp>
     </p:spTree>
     <p:extLst>
       <p:ext uri="{BB962C8B-B14F-4D97-AF65-F5344CB8AC3E}">
-        <p14:creationId xmlns:p14="http://schemas.microsoft.com/office/powerpoint/2010/main" val="2583020326"/>
+        <p14:creationId xmlns:p14="http://schemas.microsoft.com/office/powerpoint/2010/main" val="490863919"/>
       </p:ext>
     </p:extLst>
   </p:cSld>
@@ -6158,63 +6233,74 @@
           <a:chExt cx="0" cy="0"/>
         </a:xfrm>
       </p:grpSpPr>
-      <p:sp>
-        <p:nvSpPr>
-          <p:cNvPr id="2" name="Title 1">
-            <a:extLst>
-              <a:ext uri="{FF2B5EF4-FFF2-40B4-BE49-F238E27FC236}">
-                <a16:creationId xmlns:a16="http://schemas.microsoft.com/office/drawing/2014/main" id="{15935B59-12F8-7F2D-6221-4F9710C8730D}"/>
-              </a:ext>
-            </a:extLst>
-          </p:cNvPr>
-          <p:cNvSpPr>
-            <a:spLocks noGrp="1"/>
-          </p:cNvSpPr>
-          <p:nvPr>
-            <p:ph type="title"/>
-          </p:nvPr>
-        </p:nvSpPr>
-        <p:spPr/>
-        <p:txBody>
-          <a:bodyPr/>
+      <p:pic>
+        <p:nvPicPr>
+          <p:cNvPr id="5" name="Content Placeholder 4">
+            <a:extLst>
+              <a:ext uri="{FF2B5EF4-FFF2-40B4-BE49-F238E27FC236}">
+                <a16:creationId xmlns:a16="http://schemas.microsoft.com/office/drawing/2014/main" id="{A3B4ADB7-F5CE-1BF9-0A90-FBD647B225AC}"/>
+              </a:ext>
+            </a:extLst>
+          </p:cNvPr>
+          <p:cNvPicPr>
+            <a:picLocks noGrp="1" noChangeAspect="1"/>
+          </p:cNvPicPr>
+          <p:nvPr>
+            <p:ph idx="1"/>
+          </p:nvPr>
+        </p:nvPicPr>
+        <p:blipFill rotWithShape="1">
+          <a:blip r:embed="rId2"/>
+          <a:srcRect l="583" t="689"/>
+          <a:stretch/>
+        </p:blipFill>
+        <p:spPr>
+          <a:xfrm>
+            <a:off x="510062" y="576262"/>
+            <a:ext cx="10934225" cy="6260446"/>
+          </a:xfrm>
+        </p:spPr>
+      </p:pic>
+      <p:sp>
+        <p:nvSpPr>
+          <p:cNvPr id="6" name="TextBox 5">
+            <a:extLst>
+              <a:ext uri="{FF2B5EF4-FFF2-40B4-BE49-F238E27FC236}">
+                <a16:creationId xmlns:a16="http://schemas.microsoft.com/office/drawing/2014/main" id="{15D27FFA-2EE9-7C5A-51A5-6DC386C962B6}"/>
+              </a:ext>
+            </a:extLst>
+          </p:cNvPr>
+          <p:cNvSpPr txBox="1"/>
+          <p:nvPr/>
+        </p:nvSpPr>
+        <p:spPr>
+          <a:xfrm>
+            <a:off x="207169" y="120135"/>
+            <a:ext cx="6829425" cy="461665"/>
+          </a:xfrm>
+          <a:prstGeom prst="rect">
+            <a:avLst/>
+          </a:prstGeom>
+          <a:noFill/>
+        </p:spPr>
+        <p:txBody>
+          <a:bodyPr wrap="square" rtlCol="0">
+            <a:spAutoFit/>
+          </a:bodyPr>
           <a:lstStyle/>
           <a:p>
             <a:r>
-              <a:rPr lang="en-CA" dirty="0"/>
-              <a:t>Conclusion</a:t>
-            </a:r>
-          </a:p>
-        </p:txBody>
-      </p:sp>
-      <p:sp>
-        <p:nvSpPr>
-          <p:cNvPr id="3" name="Content Placeholder 2">
-            <a:extLst>
-              <a:ext uri="{FF2B5EF4-FFF2-40B4-BE49-F238E27FC236}">
-                <a16:creationId xmlns:a16="http://schemas.microsoft.com/office/drawing/2014/main" id="{F50E6124-D632-068F-DF39-AD1D5930C87D}"/>
-              </a:ext>
-            </a:extLst>
-          </p:cNvPr>
-          <p:cNvSpPr>
-            <a:spLocks noGrp="1"/>
-          </p:cNvSpPr>
-          <p:nvPr>
-            <p:ph idx="1"/>
-          </p:nvPr>
-        </p:nvSpPr>
-        <p:spPr/>
-        <p:txBody>
-          <a:bodyPr/>
-          <a:lstStyle/>
-          <a:p>
-            <a:endParaRPr lang="en-CA"/>
+              <a:rPr lang="en-US" sz="2400" dirty="0"/>
+              <a:t>Victims at Ages 20-29</a:t>
+            </a:r>
+            <a:endParaRPr lang="en-CA" sz="2400" dirty="0"/>
           </a:p>
         </p:txBody>
       </p:sp>
     </p:spTree>
     <p:extLst>
       <p:ext uri="{BB962C8B-B14F-4D97-AF65-F5344CB8AC3E}">
-        <p14:creationId xmlns:p14="http://schemas.microsoft.com/office/powerpoint/2010/main" val="3025262645"/>
+        <p14:creationId xmlns:p14="http://schemas.microsoft.com/office/powerpoint/2010/main" val="3201092173"/>
       </p:ext>
     </p:extLst>
   </p:cSld>
@@ -6241,6 +6327,335 @@
           <a:chExt cx="0" cy="0"/>
         </a:xfrm>
       </p:grpSpPr>
+      <p:pic>
+        <p:nvPicPr>
+          <p:cNvPr id="3" name="Picture 2">
+            <a:extLst>
+              <a:ext uri="{FF2B5EF4-FFF2-40B4-BE49-F238E27FC236}">
+                <a16:creationId xmlns:a16="http://schemas.microsoft.com/office/drawing/2014/main" id="{6B31E1C8-0492-A29E-59F1-6CD71ECB9EF0}"/>
+              </a:ext>
+            </a:extLst>
+          </p:cNvPr>
+          <p:cNvPicPr>
+            <a:picLocks noChangeAspect="1"/>
+          </p:cNvPicPr>
+          <p:nvPr/>
+        </p:nvPicPr>
+        <p:blipFill>
+          <a:blip r:embed="rId2"/>
+          <a:stretch>
+            <a:fillRect/>
+          </a:stretch>
+        </p:blipFill>
+        <p:spPr>
+          <a:xfrm>
+            <a:off x="608109" y="700087"/>
+            <a:ext cx="10800459" cy="6195355"/>
+          </a:xfrm>
+          <a:prstGeom prst="rect">
+            <a:avLst/>
+          </a:prstGeom>
+        </p:spPr>
+      </p:pic>
+      <p:sp>
+        <p:nvSpPr>
+          <p:cNvPr id="4" name="TextBox 3">
+            <a:extLst>
+              <a:ext uri="{FF2B5EF4-FFF2-40B4-BE49-F238E27FC236}">
+                <a16:creationId xmlns:a16="http://schemas.microsoft.com/office/drawing/2014/main" id="{33FF6413-E68D-81D8-E574-C378623F31DC}"/>
+              </a:ext>
+            </a:extLst>
+          </p:cNvPr>
+          <p:cNvSpPr txBox="1"/>
+          <p:nvPr/>
+        </p:nvSpPr>
+        <p:spPr>
+          <a:xfrm>
+            <a:off x="207169" y="235744"/>
+            <a:ext cx="4872037" cy="461665"/>
+          </a:xfrm>
+          <a:prstGeom prst="rect">
+            <a:avLst/>
+          </a:prstGeom>
+          <a:noFill/>
+        </p:spPr>
+        <p:txBody>
+          <a:bodyPr wrap="square" rtlCol="0">
+            <a:spAutoFit/>
+          </a:bodyPr>
+          <a:lstStyle/>
+          <a:p>
+            <a:r>
+              <a:rPr lang="en-US" sz="2400" dirty="0"/>
+              <a:t>Victims At Ages 30-39</a:t>
+            </a:r>
+            <a:endParaRPr lang="en-CA" sz="2400" dirty="0"/>
+          </a:p>
+        </p:txBody>
+      </p:sp>
+    </p:spTree>
+    <p:extLst>
+      <p:ext uri="{BB962C8B-B14F-4D97-AF65-F5344CB8AC3E}">
+        <p14:creationId xmlns:p14="http://schemas.microsoft.com/office/powerpoint/2010/main" val="624518381"/>
+      </p:ext>
+    </p:extLst>
+  </p:cSld>
+  <p:clrMapOvr>
+    <a:masterClrMapping/>
+  </p:clrMapOvr>
+</p:sld>
+</file>
+
+<file path=ppt/slides/slide23.xml><?xml version="1.0" encoding="utf-8"?>
+<p:sld xmlns:a="http://schemas.openxmlformats.org/drawingml/2006/main" xmlns:r="http://schemas.openxmlformats.org/officeDocument/2006/relationships" xmlns:p="http://schemas.openxmlformats.org/presentationml/2006/main">
+  <p:cSld>
+    <p:spTree>
+      <p:nvGrpSpPr>
+        <p:cNvPr id="1" name=""/>
+        <p:cNvGrpSpPr/>
+        <p:nvPr/>
+      </p:nvGrpSpPr>
+      <p:grpSpPr>
+        <a:xfrm>
+          <a:off x="0" y="0"/>
+          <a:ext cx="0" cy="0"/>
+          <a:chOff x="0" y="0"/>
+          <a:chExt cx="0" cy="0"/>
+        </a:xfrm>
+      </p:grpSpPr>
+      <p:sp>
+        <p:nvSpPr>
+          <p:cNvPr id="2" name="Title 1">
+            <a:extLst>
+              <a:ext uri="{FF2B5EF4-FFF2-40B4-BE49-F238E27FC236}">
+                <a16:creationId xmlns:a16="http://schemas.microsoft.com/office/drawing/2014/main" id="{15935B59-12F8-7F2D-6221-4F9710C8730D}"/>
+              </a:ext>
+            </a:extLst>
+          </p:cNvPr>
+          <p:cNvSpPr>
+            <a:spLocks noGrp="1"/>
+          </p:cNvSpPr>
+          <p:nvPr>
+            <p:ph type="title"/>
+          </p:nvPr>
+        </p:nvSpPr>
+        <p:spPr>
+          <a:xfrm>
+            <a:off x="838200" y="0"/>
+            <a:ext cx="10515600" cy="1325563"/>
+          </a:xfrm>
+        </p:spPr>
+        <p:txBody>
+          <a:bodyPr/>
+          <a:lstStyle/>
+          <a:p>
+            <a:r>
+              <a:rPr lang="en-CA" dirty="0"/>
+              <a:t>Conclusion</a:t>
+            </a:r>
+          </a:p>
+        </p:txBody>
+      </p:sp>
+      <p:sp>
+        <p:nvSpPr>
+          <p:cNvPr id="3" name="Content Placeholder 2">
+            <a:extLst>
+              <a:ext uri="{FF2B5EF4-FFF2-40B4-BE49-F238E27FC236}">
+                <a16:creationId xmlns:a16="http://schemas.microsoft.com/office/drawing/2014/main" id="{F50E6124-D632-068F-DF39-AD1D5930C87D}"/>
+              </a:ext>
+            </a:extLst>
+          </p:cNvPr>
+          <p:cNvSpPr>
+            <a:spLocks noGrp="1"/>
+          </p:cNvSpPr>
+          <p:nvPr>
+            <p:ph idx="1"/>
+          </p:nvPr>
+        </p:nvSpPr>
+        <p:spPr>
+          <a:xfrm>
+            <a:off x="838200" y="891540"/>
+            <a:ext cx="10515600" cy="5875020"/>
+          </a:xfrm>
+        </p:spPr>
+        <p:txBody>
+          <a:bodyPr>
+            <a:noAutofit/>
+          </a:bodyPr>
+          <a:lstStyle/>
+          <a:p>
+            <a:pPr marL="0" indent="0" algn="l">
+              <a:buNone/>
+            </a:pPr>
+            <a:r>
+              <a:rPr lang="en-US" sz="1600" b="1" i="0" dirty="0">
+                <a:effectLst/>
+              </a:rPr>
+              <a:t>Age and Crime Relationship:</a:t>
+            </a:r>
+            <a:endParaRPr lang="en-US" sz="1600" b="0" i="0" dirty="0">
+              <a:effectLst/>
+            </a:endParaRPr>
+          </a:p>
+          <a:p>
+            <a:pPr algn="l"/>
+            <a:r>
+              <a:rPr lang="en-US" sz="1600" b="0" i="0" dirty="0">
+                <a:effectLst/>
+              </a:rPr>
+              <a:t>Crimes exhibit a clear age-related pattern, peaking around 30 and declining as age increases.</a:t>
+            </a:r>
+          </a:p>
+          <a:p>
+            <a:pPr marL="0" indent="0" algn="l">
+              <a:buNone/>
+            </a:pPr>
+            <a:r>
+              <a:rPr lang="en-US" sz="1600" b="1" i="0" dirty="0">
+                <a:effectLst/>
+              </a:rPr>
+              <a:t>Peak Age Group:</a:t>
+            </a:r>
+            <a:endParaRPr lang="en-US" sz="1600" b="0" i="0" dirty="0">
+              <a:effectLst/>
+            </a:endParaRPr>
+          </a:p>
+          <a:p>
+            <a:pPr algn="l"/>
+            <a:r>
+              <a:rPr lang="en-US" sz="1600" b="0" i="0" dirty="0">
+                <a:effectLst/>
+              </a:rPr>
+              <a:t>The highest crime frequency occurs in the 25 to 30 age group.</a:t>
+            </a:r>
+          </a:p>
+          <a:p>
+            <a:pPr marL="0" indent="0" algn="l">
+              <a:buNone/>
+            </a:pPr>
+            <a:r>
+              <a:rPr lang="en-US" sz="1600" b="1" i="0" dirty="0">
+                <a:effectLst/>
+              </a:rPr>
+              <a:t>Negative Trend:</a:t>
+            </a:r>
+            <a:endParaRPr lang="en-US" sz="1600" b="0" i="0" dirty="0">
+              <a:effectLst/>
+            </a:endParaRPr>
+          </a:p>
+          <a:p>
+            <a:pPr algn="l"/>
+            <a:r>
+              <a:rPr lang="en-US" sz="1600" b="0" i="0" dirty="0">
+                <a:effectLst/>
+              </a:rPr>
+              <a:t>A negative trend line emphasizes a consistent decrease in crimes as age advances.</a:t>
+            </a:r>
+          </a:p>
+          <a:p>
+            <a:pPr marL="0" indent="0" algn="l">
+              <a:buNone/>
+            </a:pPr>
+            <a:r>
+              <a:rPr lang="en-US" sz="1600" b="1" i="0" dirty="0">
+                <a:effectLst/>
+              </a:rPr>
+              <a:t>Baseline and Endpoint:</a:t>
+            </a:r>
+            <a:endParaRPr lang="en-US" sz="1600" b="0" i="0" dirty="0">
+              <a:effectLst/>
+            </a:endParaRPr>
+          </a:p>
+          <a:p>
+            <a:pPr algn="l"/>
+            <a:r>
+              <a:rPr lang="en-US" sz="1600" b="0" i="0" dirty="0">
+                <a:effectLst/>
+              </a:rPr>
+              <a:t>The trend line starts at 15,000 crimes, showcasing a baseline, and gradually approaches zero for older age groups.</a:t>
+            </a:r>
+          </a:p>
+          <a:p>
+            <a:pPr marL="0" indent="0" algn="l">
+              <a:buNone/>
+            </a:pPr>
+            <a:r>
+              <a:rPr lang="en-US" sz="1600" b="1" i="0" dirty="0">
+                <a:effectLst/>
+              </a:rPr>
+              <a:t>Interpretation:</a:t>
+            </a:r>
+            <a:endParaRPr lang="en-US" sz="1600" b="0" i="0" dirty="0">
+              <a:effectLst/>
+            </a:endParaRPr>
+          </a:p>
+          <a:p>
+            <a:pPr algn="l"/>
+            <a:r>
+              <a:rPr lang="en-US" sz="1600" b="0" i="0" dirty="0">
+                <a:effectLst/>
+              </a:rPr>
+              <a:t>The data underscores a distinct age-related trend, indicating a significant peak around 30, followed by a decline. The negative trend line suggests a diminishing victimization likelihood among older individuals, necessitating deeper analysis for a comprehensive understanding.</a:t>
+            </a:r>
+          </a:p>
+          <a:p>
+            <a:pPr marL="0" indent="0" algn="l">
+              <a:buNone/>
+            </a:pPr>
+            <a:r>
+              <a:rPr lang="en-US" sz="1600" b="1" i="0" dirty="0">
+                <a:effectLst/>
+              </a:rPr>
+              <a:t>Additional Insights - Histogram Analysis:</a:t>
+            </a:r>
+            <a:endParaRPr lang="en-US" sz="1600" b="0" i="0" dirty="0">
+              <a:effectLst/>
+            </a:endParaRPr>
+          </a:p>
+          <a:p>
+            <a:pPr algn="l"/>
+            <a:r>
+              <a:rPr lang="en-US" sz="1600" b="0" i="0" dirty="0">
+                <a:effectLst/>
+              </a:rPr>
+              <a:t>The histogram delves deeper into the age distribution of crimes, revealing nuanced insights. The 25 to 30 age group stands out with the highest crime frequency, warranting focused attention for crime prevention initiatives. Notably, age groups such as 58 to 73, 73 to 78, 78 to 90, and 90 to 100 exhibit lower crime frequencies, presenting opportunities for targeted interventions in these segments. The visual representation of the histogram aids in identifying concentration and dispersion of crime occurrences across different age brackets. This expanded summary provides a more detailed exploration of the histogram analysis, emphasizing its role in uncovering age-specific crime patterns and guiding strategic preventive measures.</a:t>
+            </a:r>
+          </a:p>
+          <a:p>
+            <a:endParaRPr lang="en-CA" sz="1600" dirty="0"/>
+          </a:p>
+        </p:txBody>
+      </p:sp>
+    </p:spTree>
+    <p:extLst>
+      <p:ext uri="{BB962C8B-B14F-4D97-AF65-F5344CB8AC3E}">
+        <p14:creationId xmlns:p14="http://schemas.microsoft.com/office/powerpoint/2010/main" val="1422583471"/>
+      </p:ext>
+    </p:extLst>
+  </p:cSld>
+  <p:clrMapOvr>
+    <a:masterClrMapping/>
+  </p:clrMapOvr>
+</p:sld>
+</file>
+
+<file path=ppt/slides/slide24.xml><?xml version="1.0" encoding="utf-8"?>
+<p:sld xmlns:a="http://schemas.openxmlformats.org/drawingml/2006/main" xmlns:r="http://schemas.openxmlformats.org/officeDocument/2006/relationships" xmlns:p="http://schemas.openxmlformats.org/presentationml/2006/main">
+  <p:cSld>
+    <p:spTree>
+      <p:nvGrpSpPr>
+        <p:cNvPr id="1" name=""/>
+        <p:cNvGrpSpPr/>
+        <p:nvPr/>
+      </p:nvGrpSpPr>
+      <p:grpSpPr>
+        <a:xfrm>
+          <a:off x="0" y="0"/>
+          <a:ext cx="0" cy="0"/>
+          <a:chOff x="0" y="0"/>
+          <a:chExt cx="0" cy="0"/>
+        </a:xfrm>
+      </p:grpSpPr>
       <p:sp>
         <p:nvSpPr>
           <p:cNvPr id="3" name="TextBox 2">
@@ -6486,7 +6901,7 @@
 </p:sld>
 </file>
 
-<file path=ppt/slides/slide23.xml><?xml version="1.0" encoding="utf-8"?>
+<file path=ppt/slides/slide25.xml><?xml version="1.0" encoding="utf-8"?>
 <p:sld xmlns:a="http://schemas.openxmlformats.org/drawingml/2006/main" xmlns:r="http://schemas.openxmlformats.org/officeDocument/2006/relationships" xmlns:p="http://schemas.openxmlformats.org/presentationml/2006/main">
   <p:cSld>
     <p:spTree>

--- a/Final Presentation.pptx
+++ b/Final Presentation.pptx
@@ -5,7 +5,7 @@
     <p:sldMasterId id="2147483648" r:id="rId1"/>
   </p:sldMasterIdLst>
   <p:notesMasterIdLst>
-    <p:notesMasterId r:id="rId29"/>
+    <p:notesMasterId r:id="rId31"/>
   </p:notesMasterIdLst>
   <p:sldIdLst>
     <p:sldId id="256" r:id="rId2"/>
@@ -26,15 +26,17 @@
     <p:sldId id="278" r:id="rId17"/>
     <p:sldId id="279" r:id="rId18"/>
     <p:sldId id="280" r:id="rId19"/>
-    <p:sldId id="264" r:id="rId20"/>
-    <p:sldId id="265" r:id="rId21"/>
-    <p:sldId id="281" r:id="rId22"/>
-    <p:sldId id="282" r:id="rId23"/>
-    <p:sldId id="283" r:id="rId24"/>
-    <p:sldId id="284" r:id="rId25"/>
-    <p:sldId id="266" r:id="rId26"/>
-    <p:sldId id="273" r:id="rId27"/>
-    <p:sldId id="267" r:id="rId28"/>
+    <p:sldId id="281" r:id="rId20"/>
+    <p:sldId id="282" r:id="rId21"/>
+    <p:sldId id="283" r:id="rId22"/>
+    <p:sldId id="284" r:id="rId23"/>
+    <p:sldId id="285" r:id="rId24"/>
+    <p:sldId id="286" r:id="rId25"/>
+    <p:sldId id="287" r:id="rId26"/>
+    <p:sldId id="288" r:id="rId27"/>
+    <p:sldId id="289" r:id="rId28"/>
+    <p:sldId id="273" r:id="rId29"/>
+    <p:sldId id="267" r:id="rId30"/>
   </p:sldIdLst>
   <p:sldSz cx="12192000" cy="6858000"/>
   <p:notesSz cx="6858000" cy="9144000"/>
@@ -5833,47 +5835,102 @@
             <p:ph type="title"/>
           </p:nvPr>
         </p:nvSpPr>
-        <p:spPr/>
-        <p:txBody>
-          <a:bodyPr/>
+        <p:spPr>
+          <a:xfrm>
+            <a:off x="159544" y="172244"/>
+            <a:ext cx="11872912" cy="1325563"/>
+          </a:xfrm>
+        </p:spPr>
+        <p:txBody>
+          <a:bodyPr>
+            <a:normAutofit fontScale="90000"/>
+          </a:bodyPr>
           <a:lstStyle/>
           <a:p>
             <a:r>
-              <a:rPr lang="en-CA" dirty="0"/>
-              <a:t>Question 4</a:t>
-            </a:r>
-          </a:p>
-        </p:txBody>
-      </p:sp>
-      <p:sp>
-        <p:nvSpPr>
-          <p:cNvPr id="3" name="Content Placeholder 2">
-            <a:extLst>
-              <a:ext uri="{FF2B5EF4-FFF2-40B4-BE49-F238E27FC236}">
-                <a16:creationId xmlns:a16="http://schemas.microsoft.com/office/drawing/2014/main" id="{82E77C82-0D48-31AD-2914-4E65551363BF}"/>
-              </a:ext>
-            </a:extLst>
-          </p:cNvPr>
-          <p:cNvSpPr>
-            <a:spLocks noGrp="1"/>
-          </p:cNvSpPr>
-          <p:nvPr>
-            <p:ph idx="1"/>
-          </p:nvPr>
-        </p:nvSpPr>
-        <p:spPr/>
-        <p:txBody>
-          <a:bodyPr/>
-          <a:lstStyle/>
-          <a:p>
-            <a:endParaRPr lang="en-CA"/>
-          </a:p>
-        </p:txBody>
-      </p:sp>
+              <a:rPr lang="en-US" sz="4400" dirty="0"/>
+              <a:t>Are There </a:t>
+            </a:r>
+            <a:r>
+              <a:rPr lang="en-US" dirty="0"/>
+              <a:t>A</a:t>
+            </a:r>
+            <a:r>
+              <a:rPr lang="en-US" sz="4400" dirty="0"/>
+              <a:t>ny </a:t>
+            </a:r>
+            <a:r>
+              <a:rPr lang="en-US" dirty="0"/>
+              <a:t>S</a:t>
+            </a:r>
+            <a:r>
+              <a:rPr lang="en-US" sz="4400" dirty="0"/>
+              <a:t>pecific </a:t>
+            </a:r>
+            <a:r>
+              <a:rPr lang="en-US" dirty="0"/>
+              <a:t>G</a:t>
+            </a:r>
+            <a:r>
+              <a:rPr lang="en-US" sz="4400" dirty="0"/>
+              <a:t>roups of People </a:t>
+            </a:r>
+            <a:r>
+              <a:rPr lang="en-US" dirty="0"/>
+              <a:t>B</a:t>
+            </a:r>
+            <a:r>
+              <a:rPr lang="en-US" sz="4400" dirty="0"/>
+              <a:t>eing Targeted?</a:t>
+            </a:r>
+            <a:br>
+              <a:rPr lang="en-US" sz="4400" dirty="0"/>
+            </a:br>
+            <a:r>
+              <a:rPr lang="en-US" sz="4400" dirty="0"/>
+              <a:t>Focus: </a:t>
+            </a:r>
+            <a:r>
+              <a:rPr lang="en-US" sz="4400" b="1" dirty="0"/>
+              <a:t>Age</a:t>
+            </a:r>
+            <a:endParaRPr lang="en-CA" b="1" dirty="0"/>
+          </a:p>
+        </p:txBody>
+      </p:sp>
+      <p:pic>
+        <p:nvPicPr>
+          <p:cNvPr id="9" name="Picture 8">
+            <a:extLst>
+              <a:ext uri="{FF2B5EF4-FFF2-40B4-BE49-F238E27FC236}">
+                <a16:creationId xmlns:a16="http://schemas.microsoft.com/office/drawing/2014/main" id="{42BCA5F7-0609-1549-FA0E-2FA13F33CD5A}"/>
+              </a:ext>
+            </a:extLst>
+          </p:cNvPr>
+          <p:cNvPicPr>
+            <a:picLocks noChangeAspect="1"/>
+          </p:cNvPicPr>
+          <p:nvPr/>
+        </p:nvPicPr>
+        <p:blipFill rotWithShape="1">
+          <a:blip r:embed="rId2"/>
+          <a:srcRect r="3892"/>
+          <a:stretch/>
+        </p:blipFill>
+        <p:spPr>
+          <a:xfrm>
+            <a:off x="2107718" y="1580907"/>
+            <a:ext cx="6936270" cy="5104849"/>
+          </a:xfrm>
+          <a:prstGeom prst="rect">
+            <a:avLst/>
+          </a:prstGeom>
+        </p:spPr>
+      </p:pic>
     </p:spTree>
     <p:extLst>
       <p:ext uri="{BB962C8B-B14F-4D97-AF65-F5344CB8AC3E}">
-        <p14:creationId xmlns:p14="http://schemas.microsoft.com/office/powerpoint/2010/main" val="1006946230"/>
+        <p14:creationId xmlns:p14="http://schemas.microsoft.com/office/powerpoint/2010/main" val="1208981882"/>
       </p:ext>
     </p:extLst>
   </p:cSld>
@@ -6079,63 +6136,81 @@
           <a:chExt cx="0" cy="0"/>
         </a:xfrm>
       </p:grpSpPr>
-      <p:sp>
-        <p:nvSpPr>
-          <p:cNvPr id="2" name="Title 1">
-            <a:extLst>
-              <a:ext uri="{FF2B5EF4-FFF2-40B4-BE49-F238E27FC236}">
-                <a16:creationId xmlns:a16="http://schemas.microsoft.com/office/drawing/2014/main" id="{CA64F088-F15F-776A-FA4E-2E2F49A270BD}"/>
-              </a:ext>
-            </a:extLst>
-          </p:cNvPr>
-          <p:cNvSpPr>
-            <a:spLocks noGrp="1"/>
-          </p:cNvSpPr>
-          <p:nvPr>
-            <p:ph type="title"/>
-          </p:nvPr>
-        </p:nvSpPr>
-        <p:spPr/>
-        <p:txBody>
-          <a:bodyPr/>
+      <p:pic>
+        <p:nvPicPr>
+          <p:cNvPr id="3" name="Content Placeholder 4">
+            <a:extLst>
+              <a:ext uri="{FF2B5EF4-FFF2-40B4-BE49-F238E27FC236}">
+                <a16:creationId xmlns:a16="http://schemas.microsoft.com/office/drawing/2014/main" id="{9F8BCEAA-C26A-8494-5642-09852179ABCA}"/>
+              </a:ext>
+            </a:extLst>
+          </p:cNvPr>
+          <p:cNvPicPr>
+            <a:picLocks noChangeAspect="1"/>
+          </p:cNvPicPr>
+          <p:nvPr/>
+        </p:nvPicPr>
+        <p:blipFill rotWithShape="1">
+          <a:blip r:embed="rId2"/>
+          <a:srcRect l="5217"/>
+          <a:stretch/>
+        </p:blipFill>
+        <p:spPr>
+          <a:xfrm>
+            <a:off x="2614612" y="1435011"/>
+            <a:ext cx="6143626" cy="4744662"/>
+          </a:xfrm>
+          <a:prstGeom prst="rect">
+            <a:avLst/>
+          </a:prstGeom>
+        </p:spPr>
+      </p:pic>
+      <p:sp>
+        <p:nvSpPr>
+          <p:cNvPr id="4" name="TextBox 3">
+            <a:extLst>
+              <a:ext uri="{FF2B5EF4-FFF2-40B4-BE49-F238E27FC236}">
+                <a16:creationId xmlns:a16="http://schemas.microsoft.com/office/drawing/2014/main" id="{94363302-341D-AA43-7F61-118A67B0FB40}"/>
+              </a:ext>
+            </a:extLst>
+          </p:cNvPr>
+          <p:cNvSpPr txBox="1"/>
+          <p:nvPr/>
+        </p:nvSpPr>
+        <p:spPr>
+          <a:xfrm>
+            <a:off x="600074" y="392906"/>
+            <a:ext cx="11401425" cy="830997"/>
+          </a:xfrm>
+          <a:prstGeom prst="rect">
+            <a:avLst/>
+          </a:prstGeom>
+          <a:noFill/>
+        </p:spPr>
+        <p:txBody>
+          <a:bodyPr wrap="square" rtlCol="0">
+            <a:spAutoFit/>
+          </a:bodyPr>
           <a:lstStyle/>
           <a:p>
             <a:r>
-              <a:rPr lang="en-CA" dirty="0"/>
-              <a:t>Q4 cont.</a:t>
-            </a:r>
-          </a:p>
-        </p:txBody>
-      </p:sp>
-      <p:sp>
-        <p:nvSpPr>
-          <p:cNvPr id="3" name="Content Placeholder 2">
-            <a:extLst>
-              <a:ext uri="{FF2B5EF4-FFF2-40B4-BE49-F238E27FC236}">
-                <a16:creationId xmlns:a16="http://schemas.microsoft.com/office/drawing/2014/main" id="{2C11B20D-504B-A00F-5EEB-27D908C3894F}"/>
-              </a:ext>
-            </a:extLst>
-          </p:cNvPr>
-          <p:cNvSpPr>
-            <a:spLocks noGrp="1"/>
-          </p:cNvSpPr>
-          <p:nvPr>
-            <p:ph idx="1"/>
-          </p:nvPr>
-        </p:nvSpPr>
-        <p:spPr/>
-        <p:txBody>
-          <a:bodyPr/>
-          <a:lstStyle/>
-          <a:p>
-            <a:endParaRPr lang="en-CA"/>
+              <a:rPr lang="en-US" sz="2400" dirty="0"/>
+              <a:t>Visualization 7</a:t>
+            </a:r>
+          </a:p>
+          <a:p>
+            <a:r>
+              <a:rPr lang="en-US" sz="2400" dirty="0"/>
+              <a:t>Scatterplot displaying the Number of Crimes Committed Against Victims at Different Ages.</a:t>
+            </a:r>
+            <a:endParaRPr lang="en-CA" sz="2400" dirty="0"/>
           </a:p>
         </p:txBody>
       </p:sp>
     </p:spTree>
     <p:extLst>
       <p:ext uri="{BB962C8B-B14F-4D97-AF65-F5344CB8AC3E}">
-        <p14:creationId xmlns:p14="http://schemas.microsoft.com/office/powerpoint/2010/main" val="2583020326"/>
+        <p14:creationId xmlns:p14="http://schemas.microsoft.com/office/powerpoint/2010/main" val="490863919"/>
       </p:ext>
     </p:extLst>
   </p:cSld>
@@ -6146,6 +6221,429 @@
 </file>
 
 <file path=ppt/slides/slide21.xml><?xml version="1.0" encoding="utf-8"?>
+<p:sld xmlns:a="http://schemas.openxmlformats.org/drawingml/2006/main" xmlns:r="http://schemas.openxmlformats.org/officeDocument/2006/relationships" xmlns:p="http://schemas.openxmlformats.org/presentationml/2006/main">
+  <p:cSld>
+    <p:spTree>
+      <p:nvGrpSpPr>
+        <p:cNvPr id="1" name=""/>
+        <p:cNvGrpSpPr/>
+        <p:nvPr/>
+      </p:nvGrpSpPr>
+      <p:grpSpPr>
+        <a:xfrm>
+          <a:off x="0" y="0"/>
+          <a:ext cx="0" cy="0"/>
+          <a:chOff x="0" y="0"/>
+          <a:chExt cx="0" cy="0"/>
+        </a:xfrm>
+      </p:grpSpPr>
+      <p:pic>
+        <p:nvPicPr>
+          <p:cNvPr id="5" name="Content Placeholder 4">
+            <a:extLst>
+              <a:ext uri="{FF2B5EF4-FFF2-40B4-BE49-F238E27FC236}">
+                <a16:creationId xmlns:a16="http://schemas.microsoft.com/office/drawing/2014/main" id="{A3B4ADB7-F5CE-1BF9-0A90-FBD647B225AC}"/>
+              </a:ext>
+            </a:extLst>
+          </p:cNvPr>
+          <p:cNvPicPr>
+            <a:picLocks noGrp="1" noChangeAspect="1"/>
+          </p:cNvPicPr>
+          <p:nvPr>
+            <p:ph idx="1"/>
+          </p:nvPr>
+        </p:nvPicPr>
+        <p:blipFill rotWithShape="1">
+          <a:blip r:embed="rId2"/>
+          <a:srcRect l="583" t="689"/>
+          <a:stretch/>
+        </p:blipFill>
+        <p:spPr>
+          <a:xfrm>
+            <a:off x="510062" y="576262"/>
+            <a:ext cx="10934225" cy="6260446"/>
+          </a:xfrm>
+        </p:spPr>
+      </p:pic>
+      <p:sp>
+        <p:nvSpPr>
+          <p:cNvPr id="6" name="TextBox 5">
+            <a:extLst>
+              <a:ext uri="{FF2B5EF4-FFF2-40B4-BE49-F238E27FC236}">
+                <a16:creationId xmlns:a16="http://schemas.microsoft.com/office/drawing/2014/main" id="{15D27FFA-2EE9-7C5A-51A5-6DC386C962B6}"/>
+              </a:ext>
+            </a:extLst>
+          </p:cNvPr>
+          <p:cNvSpPr txBox="1"/>
+          <p:nvPr/>
+        </p:nvSpPr>
+        <p:spPr>
+          <a:xfrm>
+            <a:off x="207169" y="120135"/>
+            <a:ext cx="6829425" cy="461665"/>
+          </a:xfrm>
+          <a:prstGeom prst="rect">
+            <a:avLst/>
+          </a:prstGeom>
+          <a:noFill/>
+        </p:spPr>
+        <p:txBody>
+          <a:bodyPr wrap="square" rtlCol="0">
+            <a:spAutoFit/>
+          </a:bodyPr>
+          <a:lstStyle/>
+          <a:p>
+            <a:r>
+              <a:rPr lang="en-US" sz="2400" dirty="0"/>
+              <a:t>Victims at Ages 20-29</a:t>
+            </a:r>
+            <a:endParaRPr lang="en-CA" sz="2400" dirty="0"/>
+          </a:p>
+        </p:txBody>
+      </p:sp>
+    </p:spTree>
+    <p:extLst>
+      <p:ext uri="{BB962C8B-B14F-4D97-AF65-F5344CB8AC3E}">
+        <p14:creationId xmlns:p14="http://schemas.microsoft.com/office/powerpoint/2010/main" val="3201092173"/>
+      </p:ext>
+    </p:extLst>
+  </p:cSld>
+  <p:clrMapOvr>
+    <a:masterClrMapping/>
+  </p:clrMapOvr>
+</p:sld>
+</file>
+
+<file path=ppt/slides/slide22.xml><?xml version="1.0" encoding="utf-8"?>
+<p:sld xmlns:a="http://schemas.openxmlformats.org/drawingml/2006/main" xmlns:r="http://schemas.openxmlformats.org/officeDocument/2006/relationships" xmlns:p="http://schemas.openxmlformats.org/presentationml/2006/main">
+  <p:cSld>
+    <p:spTree>
+      <p:nvGrpSpPr>
+        <p:cNvPr id="1" name=""/>
+        <p:cNvGrpSpPr/>
+        <p:nvPr/>
+      </p:nvGrpSpPr>
+      <p:grpSpPr>
+        <a:xfrm>
+          <a:off x="0" y="0"/>
+          <a:ext cx="0" cy="0"/>
+          <a:chOff x="0" y="0"/>
+          <a:chExt cx="0" cy="0"/>
+        </a:xfrm>
+      </p:grpSpPr>
+      <p:pic>
+        <p:nvPicPr>
+          <p:cNvPr id="3" name="Picture 2">
+            <a:extLst>
+              <a:ext uri="{FF2B5EF4-FFF2-40B4-BE49-F238E27FC236}">
+                <a16:creationId xmlns:a16="http://schemas.microsoft.com/office/drawing/2014/main" id="{6B31E1C8-0492-A29E-59F1-6CD71ECB9EF0}"/>
+              </a:ext>
+            </a:extLst>
+          </p:cNvPr>
+          <p:cNvPicPr>
+            <a:picLocks noChangeAspect="1"/>
+          </p:cNvPicPr>
+          <p:nvPr/>
+        </p:nvPicPr>
+        <p:blipFill>
+          <a:blip r:embed="rId2"/>
+          <a:stretch>
+            <a:fillRect/>
+          </a:stretch>
+        </p:blipFill>
+        <p:spPr>
+          <a:xfrm>
+            <a:off x="608109" y="700087"/>
+            <a:ext cx="10800459" cy="6195355"/>
+          </a:xfrm>
+          <a:prstGeom prst="rect">
+            <a:avLst/>
+          </a:prstGeom>
+        </p:spPr>
+      </p:pic>
+      <p:sp>
+        <p:nvSpPr>
+          <p:cNvPr id="4" name="TextBox 3">
+            <a:extLst>
+              <a:ext uri="{FF2B5EF4-FFF2-40B4-BE49-F238E27FC236}">
+                <a16:creationId xmlns:a16="http://schemas.microsoft.com/office/drawing/2014/main" id="{33FF6413-E68D-81D8-E574-C378623F31DC}"/>
+              </a:ext>
+            </a:extLst>
+          </p:cNvPr>
+          <p:cNvSpPr txBox="1"/>
+          <p:nvPr/>
+        </p:nvSpPr>
+        <p:spPr>
+          <a:xfrm>
+            <a:off x="207169" y="235744"/>
+            <a:ext cx="4872037" cy="461665"/>
+          </a:xfrm>
+          <a:prstGeom prst="rect">
+            <a:avLst/>
+          </a:prstGeom>
+          <a:noFill/>
+        </p:spPr>
+        <p:txBody>
+          <a:bodyPr wrap="square" rtlCol="0">
+            <a:spAutoFit/>
+          </a:bodyPr>
+          <a:lstStyle/>
+          <a:p>
+            <a:r>
+              <a:rPr lang="en-US" sz="2400" dirty="0"/>
+              <a:t>Victims At Ages 30-39</a:t>
+            </a:r>
+            <a:endParaRPr lang="en-CA" sz="2400" dirty="0"/>
+          </a:p>
+        </p:txBody>
+      </p:sp>
+    </p:spTree>
+    <p:extLst>
+      <p:ext uri="{BB962C8B-B14F-4D97-AF65-F5344CB8AC3E}">
+        <p14:creationId xmlns:p14="http://schemas.microsoft.com/office/powerpoint/2010/main" val="624518381"/>
+      </p:ext>
+    </p:extLst>
+  </p:cSld>
+  <p:clrMapOvr>
+    <a:masterClrMapping/>
+  </p:clrMapOvr>
+</p:sld>
+</file>
+
+<file path=ppt/slides/slide23.xml><?xml version="1.0" encoding="utf-8"?>
+<p:sld xmlns:a="http://schemas.openxmlformats.org/drawingml/2006/main" xmlns:r="http://schemas.openxmlformats.org/officeDocument/2006/relationships" xmlns:p="http://schemas.openxmlformats.org/presentationml/2006/main">
+  <p:cSld>
+    <p:spTree>
+      <p:nvGrpSpPr>
+        <p:cNvPr id="1" name=""/>
+        <p:cNvGrpSpPr/>
+        <p:nvPr/>
+      </p:nvGrpSpPr>
+      <p:grpSpPr>
+        <a:xfrm>
+          <a:off x="0" y="0"/>
+          <a:ext cx="0" cy="0"/>
+          <a:chOff x="0" y="0"/>
+          <a:chExt cx="0" cy="0"/>
+        </a:xfrm>
+      </p:grpSpPr>
+      <p:sp>
+        <p:nvSpPr>
+          <p:cNvPr id="2" name="Title 1">
+            <a:extLst>
+              <a:ext uri="{FF2B5EF4-FFF2-40B4-BE49-F238E27FC236}">
+                <a16:creationId xmlns:a16="http://schemas.microsoft.com/office/drawing/2014/main" id="{15935B59-12F8-7F2D-6221-4F9710C8730D}"/>
+              </a:ext>
+            </a:extLst>
+          </p:cNvPr>
+          <p:cNvSpPr>
+            <a:spLocks noGrp="1"/>
+          </p:cNvSpPr>
+          <p:nvPr>
+            <p:ph type="title"/>
+          </p:nvPr>
+        </p:nvSpPr>
+        <p:spPr>
+          <a:xfrm>
+            <a:off x="838200" y="0"/>
+            <a:ext cx="10515600" cy="1325563"/>
+          </a:xfrm>
+        </p:spPr>
+        <p:txBody>
+          <a:bodyPr/>
+          <a:lstStyle/>
+          <a:p>
+            <a:r>
+              <a:rPr lang="en-CA" dirty="0"/>
+              <a:t>Conclusion</a:t>
+            </a:r>
+          </a:p>
+        </p:txBody>
+      </p:sp>
+      <p:sp>
+        <p:nvSpPr>
+          <p:cNvPr id="3" name="Content Placeholder 2">
+            <a:extLst>
+              <a:ext uri="{FF2B5EF4-FFF2-40B4-BE49-F238E27FC236}">
+                <a16:creationId xmlns:a16="http://schemas.microsoft.com/office/drawing/2014/main" id="{F50E6124-D632-068F-DF39-AD1D5930C87D}"/>
+              </a:ext>
+            </a:extLst>
+          </p:cNvPr>
+          <p:cNvSpPr>
+            <a:spLocks noGrp="1"/>
+          </p:cNvSpPr>
+          <p:nvPr>
+            <p:ph idx="1"/>
+          </p:nvPr>
+        </p:nvSpPr>
+        <p:spPr>
+          <a:xfrm>
+            <a:off x="838200" y="891540"/>
+            <a:ext cx="10515600" cy="5875020"/>
+          </a:xfrm>
+        </p:spPr>
+        <p:txBody>
+          <a:bodyPr>
+            <a:noAutofit/>
+          </a:bodyPr>
+          <a:lstStyle/>
+          <a:p>
+            <a:pPr marL="0" indent="0" algn="l">
+              <a:buNone/>
+            </a:pPr>
+            <a:r>
+              <a:rPr lang="en-US" sz="1600" b="1" i="0" dirty="0">
+                <a:effectLst/>
+              </a:rPr>
+              <a:t>Age and Crime Relationship:</a:t>
+            </a:r>
+            <a:endParaRPr lang="en-US" sz="1600" b="0" i="0" dirty="0">
+              <a:effectLst/>
+            </a:endParaRPr>
+          </a:p>
+          <a:p>
+            <a:pPr algn="l"/>
+            <a:r>
+              <a:rPr lang="en-US" sz="1600" b="0" i="0" dirty="0">
+                <a:effectLst/>
+              </a:rPr>
+              <a:t>Crimes exhibit a clear age-related pattern, peaking around 30 and declining as age increases.</a:t>
+            </a:r>
+          </a:p>
+          <a:p>
+            <a:pPr marL="0" indent="0" algn="l">
+              <a:buNone/>
+            </a:pPr>
+            <a:r>
+              <a:rPr lang="en-US" sz="1600" b="1" i="0" dirty="0">
+                <a:effectLst/>
+              </a:rPr>
+              <a:t>Peak Age Group:</a:t>
+            </a:r>
+            <a:endParaRPr lang="en-US" sz="1600" b="0" i="0" dirty="0">
+              <a:effectLst/>
+            </a:endParaRPr>
+          </a:p>
+          <a:p>
+            <a:pPr algn="l"/>
+            <a:r>
+              <a:rPr lang="en-US" sz="1600" b="0" i="0" dirty="0">
+                <a:effectLst/>
+              </a:rPr>
+              <a:t>The highest crime frequency occurs in the 25 to 30 age group.</a:t>
+            </a:r>
+          </a:p>
+          <a:p>
+            <a:pPr marL="0" indent="0" algn="l">
+              <a:buNone/>
+            </a:pPr>
+            <a:r>
+              <a:rPr lang="en-US" sz="1600" b="1" i="0" dirty="0">
+                <a:effectLst/>
+              </a:rPr>
+              <a:t>Negative Trend:</a:t>
+            </a:r>
+            <a:endParaRPr lang="en-US" sz="1600" b="0" i="0" dirty="0">
+              <a:effectLst/>
+            </a:endParaRPr>
+          </a:p>
+          <a:p>
+            <a:pPr algn="l"/>
+            <a:r>
+              <a:rPr lang="en-US" sz="1600" b="0" i="0" dirty="0">
+                <a:effectLst/>
+              </a:rPr>
+              <a:t>A negative trend line emphasizes a consistent decrease in crimes as age advances.</a:t>
+            </a:r>
+          </a:p>
+          <a:p>
+            <a:pPr marL="0" indent="0" algn="l">
+              <a:buNone/>
+            </a:pPr>
+            <a:r>
+              <a:rPr lang="en-US" sz="1600" b="1" i="0" dirty="0">
+                <a:effectLst/>
+              </a:rPr>
+              <a:t>Baseline and Endpoint:</a:t>
+            </a:r>
+            <a:endParaRPr lang="en-US" sz="1600" b="0" i="0" dirty="0">
+              <a:effectLst/>
+            </a:endParaRPr>
+          </a:p>
+          <a:p>
+            <a:pPr algn="l"/>
+            <a:r>
+              <a:rPr lang="en-US" sz="1600" b="0" i="0" dirty="0">
+                <a:effectLst/>
+              </a:rPr>
+              <a:t>The trend line starts at 15,000 crimes, showcasing a baseline, and gradually approaches zero for older age groups.</a:t>
+            </a:r>
+          </a:p>
+          <a:p>
+            <a:pPr marL="0" indent="0" algn="l">
+              <a:buNone/>
+            </a:pPr>
+            <a:r>
+              <a:rPr lang="en-US" sz="1600" b="1" i="0" dirty="0">
+                <a:effectLst/>
+              </a:rPr>
+              <a:t>Interpretation:</a:t>
+            </a:r>
+            <a:endParaRPr lang="en-US" sz="1600" b="0" i="0" dirty="0">
+              <a:effectLst/>
+            </a:endParaRPr>
+          </a:p>
+          <a:p>
+            <a:pPr algn="l"/>
+            <a:r>
+              <a:rPr lang="en-US" sz="1600" b="0" i="0" dirty="0">
+                <a:effectLst/>
+              </a:rPr>
+              <a:t>The data underscores a distinct age-related trend, indicating a significant peak around 30, followed by a decline. The negative trend line suggests a diminishing victimization likelihood among older individuals, necessitating deeper analysis for a comprehensive understanding.</a:t>
+            </a:r>
+          </a:p>
+          <a:p>
+            <a:pPr marL="0" indent="0" algn="l">
+              <a:buNone/>
+            </a:pPr>
+            <a:r>
+              <a:rPr lang="en-US" sz="1600" b="1" i="0" dirty="0">
+                <a:effectLst/>
+              </a:rPr>
+              <a:t>Additional Insights - Histogram Analysis:</a:t>
+            </a:r>
+            <a:endParaRPr lang="en-US" sz="1600" b="0" i="0" dirty="0">
+              <a:effectLst/>
+            </a:endParaRPr>
+          </a:p>
+          <a:p>
+            <a:pPr algn="l"/>
+            <a:r>
+              <a:rPr lang="en-US" sz="1600" b="0" i="0" dirty="0">
+                <a:effectLst/>
+              </a:rPr>
+              <a:t>The histogram delves deeper into the age distribution of crimes, revealing nuanced insights. The 25 to 30 age group stands out with the highest crime frequency, warranting focused attention for crime prevention initiatives. Notably, age groups such as 58 to 73, 73 to 78, 78 to 90, and 90 to 100 exhibit lower crime frequencies, presenting opportunities for targeted interventions in these segments. The visual representation of the histogram aids in identifying concentration and dispersion of crime occurrences across different age brackets. This expanded summary provides a more detailed exploration of the histogram analysis, emphasizing its role in uncovering age-specific crime patterns and guiding strategic preventive measures.</a:t>
+            </a:r>
+          </a:p>
+          <a:p>
+            <a:endParaRPr lang="en-CA" sz="1600" dirty="0"/>
+          </a:p>
+        </p:txBody>
+      </p:sp>
+    </p:spTree>
+    <p:extLst>
+      <p:ext uri="{BB962C8B-B14F-4D97-AF65-F5344CB8AC3E}">
+        <p14:creationId xmlns:p14="http://schemas.microsoft.com/office/powerpoint/2010/main" val="1422583471"/>
+      </p:ext>
+    </p:extLst>
+  </p:cSld>
+  <p:clrMapOvr>
+    <a:masterClrMapping/>
+  </p:clrMapOvr>
+</p:sld>
+</file>
+
+<file path=ppt/slides/slide24.xml><?xml version="1.0" encoding="utf-8"?>
 <p:sld xmlns:a="http://schemas.openxmlformats.org/drawingml/2006/main" xmlns:r="http://schemas.openxmlformats.org/officeDocument/2006/relationships" xmlns:p="http://schemas.openxmlformats.org/presentationml/2006/main">
   <p:cSld>
     <p:spTree>
@@ -6294,7 +6792,7 @@
 </p:sld>
 </file>
 
-<file path=ppt/slides/slide22.xml><?xml version="1.0" encoding="utf-8"?>
+<file path=ppt/slides/slide25.xml><?xml version="1.0" encoding="utf-8"?>
 <p:sld xmlns:a="http://schemas.openxmlformats.org/drawingml/2006/main" xmlns:r="http://schemas.openxmlformats.org/officeDocument/2006/relationships" xmlns:p="http://schemas.openxmlformats.org/presentationml/2006/main">
   <p:cSld>
     <p:spTree>
@@ -6814,7 +7312,7 @@
 </p:sld>
 </file>
 
-<file path=ppt/slides/slide23.xml><?xml version="1.0" encoding="utf-8"?>
+<file path=ppt/slides/slide26.xml><?xml version="1.0" encoding="utf-8"?>
 <p:sld xmlns:a="http://schemas.openxmlformats.org/drawingml/2006/main" xmlns:r="http://schemas.openxmlformats.org/officeDocument/2006/relationships" xmlns:p="http://schemas.openxmlformats.org/presentationml/2006/main">
   <p:cSld>
     <p:spTree>
@@ -6918,7 +7416,7 @@
 </p:sld>
 </file>
 
-<file path=ppt/slides/slide24.xml><?xml version="1.0" encoding="utf-8"?>
+<file path=ppt/slides/slide27.xml><?xml version="1.0" encoding="utf-8"?>
 <p:sld xmlns:a="http://schemas.openxmlformats.org/drawingml/2006/main" xmlns:r="http://schemas.openxmlformats.org/officeDocument/2006/relationships" xmlns:p="http://schemas.openxmlformats.org/presentationml/2006/main">
   <p:cSld>
     <p:spTree>
@@ -7032,7 +7530,7 @@
 </p:sld>
 </file>
 
-<file path=ppt/slides/slide25.xml><?xml version="1.0" encoding="utf-8"?>
+<file path=ppt/slides/slide28.xml><?xml version="1.0" encoding="utf-8"?>
 <p:sld xmlns:a="http://schemas.openxmlformats.org/drawingml/2006/main" xmlns:r="http://schemas.openxmlformats.org/officeDocument/2006/relationships" xmlns:p="http://schemas.openxmlformats.org/presentationml/2006/main">
   <p:cSld>
     <p:spTree>
@@ -7051,89 +7549,6 @@
       </p:grpSpPr>
       <p:sp>
         <p:nvSpPr>
-          <p:cNvPr id="2" name="Title 1">
-            <a:extLst>
-              <a:ext uri="{FF2B5EF4-FFF2-40B4-BE49-F238E27FC236}">
-                <a16:creationId xmlns:a16="http://schemas.microsoft.com/office/drawing/2014/main" id="{15935B59-12F8-7F2D-6221-4F9710C8730D}"/>
-              </a:ext>
-            </a:extLst>
-          </p:cNvPr>
-          <p:cNvSpPr>
-            <a:spLocks noGrp="1"/>
-          </p:cNvSpPr>
-          <p:nvPr>
-            <p:ph type="title"/>
-          </p:nvPr>
-        </p:nvSpPr>
-        <p:spPr/>
-        <p:txBody>
-          <a:bodyPr/>
-          <a:lstStyle/>
-          <a:p>
-            <a:r>
-              <a:rPr lang="en-CA" dirty="0"/>
-              <a:t>Conclusion</a:t>
-            </a:r>
-          </a:p>
-        </p:txBody>
-      </p:sp>
-      <p:sp>
-        <p:nvSpPr>
-          <p:cNvPr id="3" name="Content Placeholder 2">
-            <a:extLst>
-              <a:ext uri="{FF2B5EF4-FFF2-40B4-BE49-F238E27FC236}">
-                <a16:creationId xmlns:a16="http://schemas.microsoft.com/office/drawing/2014/main" id="{F50E6124-D632-068F-DF39-AD1D5930C87D}"/>
-              </a:ext>
-            </a:extLst>
-          </p:cNvPr>
-          <p:cNvSpPr>
-            <a:spLocks noGrp="1"/>
-          </p:cNvSpPr>
-          <p:nvPr>
-            <p:ph idx="1"/>
-          </p:nvPr>
-        </p:nvSpPr>
-        <p:spPr/>
-        <p:txBody>
-          <a:bodyPr/>
-          <a:lstStyle/>
-          <a:p>
-            <a:endParaRPr lang="en-CA"/>
-          </a:p>
-        </p:txBody>
-      </p:sp>
-    </p:spTree>
-    <p:extLst>
-      <p:ext uri="{BB962C8B-B14F-4D97-AF65-F5344CB8AC3E}">
-        <p14:creationId xmlns:p14="http://schemas.microsoft.com/office/powerpoint/2010/main" val="3025262645"/>
-      </p:ext>
-    </p:extLst>
-  </p:cSld>
-  <p:clrMapOvr>
-    <a:masterClrMapping/>
-  </p:clrMapOvr>
-</p:sld>
-</file>
-
-<file path=ppt/slides/slide26.xml><?xml version="1.0" encoding="utf-8"?>
-<p:sld xmlns:a="http://schemas.openxmlformats.org/drawingml/2006/main" xmlns:r="http://schemas.openxmlformats.org/officeDocument/2006/relationships" xmlns:p="http://schemas.openxmlformats.org/presentationml/2006/main">
-  <p:cSld>
-    <p:spTree>
-      <p:nvGrpSpPr>
-        <p:cNvPr id="1" name=""/>
-        <p:cNvGrpSpPr/>
-        <p:nvPr/>
-      </p:nvGrpSpPr>
-      <p:grpSpPr>
-        <a:xfrm>
-          <a:off x="0" y="0"/>
-          <a:ext cx="0" cy="0"/>
-          <a:chOff x="0" y="0"/>
-          <a:chExt cx="0" cy="0"/>
-        </a:xfrm>
-      </p:grpSpPr>
-      <p:sp>
-        <p:nvSpPr>
           <p:cNvPr id="3" name="TextBox 2">
             <a:extLst>
               <a:ext uri="{FF2B5EF4-FFF2-40B4-BE49-F238E27FC236}">
@@ -7377,7 +7792,7 @@
 </p:sld>
 </file>
 
-<file path=ppt/slides/slide27.xml><?xml version="1.0" encoding="utf-8"?>
+<file path=ppt/slides/slide29.xml><?xml version="1.0" encoding="utf-8"?>
 <p:sld xmlns:a="http://schemas.openxmlformats.org/drawingml/2006/main" xmlns:r="http://schemas.openxmlformats.org/officeDocument/2006/relationships" xmlns:p="http://schemas.openxmlformats.org/presentationml/2006/main">
   <p:cSld>
     <p:spTree>
